--- a/20210223 AndroidMakerTechTree.pptx
+++ b/20210223 AndroidMakerTechTree.pptx
@@ -243,7 +243,7 @@
           <a:p>
             <a:fld id="{DD7C582F-68CC-4ED5-BDE7-B0B1769AA519}" type="datetimeFigureOut">
               <a:rPr lang="ko-KR" altLang="en-US" smtClean="0"/>
-              <a:t>2021-02-24</a:t>
+              <a:t>2021-02-28</a:t>
             </a:fld>
             <a:endParaRPr lang="ko-KR" altLang="en-US"/>
           </a:p>
@@ -413,7 +413,7 @@
           <a:p>
             <a:fld id="{DD7C582F-68CC-4ED5-BDE7-B0B1769AA519}" type="datetimeFigureOut">
               <a:rPr lang="ko-KR" altLang="en-US" smtClean="0"/>
-              <a:t>2021-02-24</a:t>
+              <a:t>2021-02-28</a:t>
             </a:fld>
             <a:endParaRPr lang="ko-KR" altLang="en-US"/>
           </a:p>
@@ -593,7 +593,7 @@
           <a:p>
             <a:fld id="{DD7C582F-68CC-4ED5-BDE7-B0B1769AA519}" type="datetimeFigureOut">
               <a:rPr lang="ko-KR" altLang="en-US" smtClean="0"/>
-              <a:t>2021-02-24</a:t>
+              <a:t>2021-02-28</a:t>
             </a:fld>
             <a:endParaRPr lang="ko-KR" altLang="en-US"/>
           </a:p>
@@ -763,7 +763,7 @@
           <a:p>
             <a:fld id="{DD7C582F-68CC-4ED5-BDE7-B0B1769AA519}" type="datetimeFigureOut">
               <a:rPr lang="ko-KR" altLang="en-US" smtClean="0"/>
-              <a:t>2021-02-24</a:t>
+              <a:t>2021-02-28</a:t>
             </a:fld>
             <a:endParaRPr lang="ko-KR" altLang="en-US"/>
           </a:p>
@@ -1009,7 +1009,7 @@
           <a:p>
             <a:fld id="{DD7C582F-68CC-4ED5-BDE7-B0B1769AA519}" type="datetimeFigureOut">
               <a:rPr lang="ko-KR" altLang="en-US" smtClean="0"/>
-              <a:t>2021-02-24</a:t>
+              <a:t>2021-02-28</a:t>
             </a:fld>
             <a:endParaRPr lang="ko-KR" altLang="en-US"/>
           </a:p>
@@ -1241,7 +1241,7 @@
           <a:p>
             <a:fld id="{DD7C582F-68CC-4ED5-BDE7-B0B1769AA519}" type="datetimeFigureOut">
               <a:rPr lang="ko-KR" altLang="en-US" smtClean="0"/>
-              <a:t>2021-02-24</a:t>
+              <a:t>2021-02-28</a:t>
             </a:fld>
             <a:endParaRPr lang="ko-KR" altLang="en-US"/>
           </a:p>
@@ -1608,7 +1608,7 @@
           <a:p>
             <a:fld id="{DD7C582F-68CC-4ED5-BDE7-B0B1769AA519}" type="datetimeFigureOut">
               <a:rPr lang="ko-KR" altLang="en-US" smtClean="0"/>
-              <a:t>2021-02-24</a:t>
+              <a:t>2021-02-28</a:t>
             </a:fld>
             <a:endParaRPr lang="ko-KR" altLang="en-US"/>
           </a:p>
@@ -1726,7 +1726,7 @@
           <a:p>
             <a:fld id="{DD7C582F-68CC-4ED5-BDE7-B0B1769AA519}" type="datetimeFigureOut">
               <a:rPr lang="ko-KR" altLang="en-US" smtClean="0"/>
-              <a:t>2021-02-24</a:t>
+              <a:t>2021-02-28</a:t>
             </a:fld>
             <a:endParaRPr lang="ko-KR" altLang="en-US"/>
           </a:p>
@@ -1821,7 +1821,7 @@
           <a:p>
             <a:fld id="{DD7C582F-68CC-4ED5-BDE7-B0B1769AA519}" type="datetimeFigureOut">
               <a:rPr lang="ko-KR" altLang="en-US" smtClean="0"/>
-              <a:t>2021-02-24</a:t>
+              <a:t>2021-02-28</a:t>
             </a:fld>
             <a:endParaRPr lang="ko-KR" altLang="en-US"/>
           </a:p>
@@ -2098,7 +2098,7 @@
           <a:p>
             <a:fld id="{DD7C582F-68CC-4ED5-BDE7-B0B1769AA519}" type="datetimeFigureOut">
               <a:rPr lang="ko-KR" altLang="en-US" smtClean="0"/>
-              <a:t>2021-02-24</a:t>
+              <a:t>2021-02-28</a:t>
             </a:fld>
             <a:endParaRPr lang="ko-KR" altLang="en-US"/>
           </a:p>
@@ -2351,7 +2351,7 @@
           <a:p>
             <a:fld id="{DD7C582F-68CC-4ED5-BDE7-B0B1769AA519}" type="datetimeFigureOut">
               <a:rPr lang="ko-KR" altLang="en-US" smtClean="0"/>
-              <a:t>2021-02-24</a:t>
+              <a:t>2021-02-28</a:t>
             </a:fld>
             <a:endParaRPr lang="ko-KR" altLang="en-US"/>
           </a:p>
@@ -2564,7 +2564,7 @@
           <a:p>
             <a:fld id="{DD7C582F-68CC-4ED5-BDE7-B0B1769AA519}" type="datetimeFigureOut">
               <a:rPr lang="ko-KR" altLang="en-US" smtClean="0"/>
-              <a:t>2021-02-24</a:t>
+              <a:t>2021-02-28</a:t>
             </a:fld>
             <a:endParaRPr lang="ko-KR" altLang="en-US"/>
           </a:p>
@@ -3066,11 +3066,7 @@
               </a:r>
               <a:r>
                 <a:rPr lang="ko-KR" altLang="en-US" sz="1400" dirty="0" smtClean="0"/>
-                <a:t>수준의 </a:t>
-              </a:r>
-              <a:r>
-                <a:rPr lang="ko-KR" altLang="en-US" sz="1400" dirty="0" smtClean="0"/>
-                <a:t>시설들 건설 가능</a:t>
+                <a:t>수준의 시설들 건설 가능</a:t>
               </a:r>
               <a:endParaRPr lang="en-US" altLang="ko-KR" sz="1400" dirty="0" smtClean="0"/>
             </a:p>

--- a/20210223 AndroidMakerTechTree.pptx
+++ b/20210223 AndroidMakerTechTree.pptx
@@ -2,10 +2,10 @@
 <file path=ppt/presentation.xml><?xml version="1.0" encoding="utf-8"?>
 <p:presentation xmlns:a="http://schemas.openxmlformats.org/drawingml/2006/main" xmlns:r="http://schemas.openxmlformats.org/officeDocument/2006/relationships" xmlns:p="http://schemas.openxmlformats.org/presentationml/2006/main" saveSubsetFonts="1">
   <p:sldMasterIdLst>
-    <p:sldMasterId id="2147483648" r:id="rId1"/>
+    <p:sldMasterId id="2147483660" r:id="rId1"/>
   </p:sldMasterIdLst>
   <p:sldIdLst>
-    <p:sldId id="257" r:id="rId2"/>
+    <p:sldId id="258" r:id="rId2"/>
   </p:sldIdLst>
   <p:sldSz cx="12192000" cy="6858000"/>
   <p:notesSz cx="6858000" cy="9144000"/>
@@ -131,7 +131,7 @@
       </p:grpSpPr>
       <p:sp>
         <p:nvSpPr>
-          <p:cNvPr id="2" name="제목 1"/>
+          <p:cNvPr id="2" name="Title 1"/>
           <p:cNvSpPr>
             <a:spLocks noGrp="1"/>
           </p:cNvSpPr>
@@ -157,13 +157,13 @@
               <a:rPr lang="ko-KR" altLang="en-US" smtClean="0"/>
               <a:t>마스터 제목 스타일 편집</a:t>
             </a:r>
-            <a:endParaRPr lang="ko-KR" altLang="en-US"/>
+            <a:endParaRPr lang="en-US" dirty="0"/>
           </a:p>
         </p:txBody>
       </p:sp>
       <p:sp>
         <p:nvSpPr>
-          <p:cNvPr id="3" name="부제목 2"/>
+          <p:cNvPr id="3" name="Subtitle 2"/>
           <p:cNvSpPr>
             <a:spLocks noGrp="1"/>
           </p:cNvSpPr>
@@ -222,13 +222,13 @@
               <a:rPr lang="ko-KR" altLang="en-US" smtClean="0"/>
               <a:t>마스터 부제목 스타일 편집</a:t>
             </a:r>
-            <a:endParaRPr lang="ko-KR" altLang="en-US"/>
+            <a:endParaRPr lang="en-US" dirty="0"/>
           </a:p>
         </p:txBody>
       </p:sp>
       <p:sp>
         <p:nvSpPr>
-          <p:cNvPr id="4" name="날짜 개체 틀 3"/>
+          <p:cNvPr id="4" name="Date Placeholder 3"/>
           <p:cNvSpPr>
             <a:spLocks noGrp="1"/>
           </p:cNvSpPr>
@@ -243,7 +243,7 @@
           <a:p>
             <a:fld id="{DD7C582F-68CC-4ED5-BDE7-B0B1769AA519}" type="datetimeFigureOut">
               <a:rPr lang="ko-KR" altLang="en-US" smtClean="0"/>
-              <a:t>2021-02-28</a:t>
+              <a:t>2021-03-13</a:t>
             </a:fld>
             <a:endParaRPr lang="ko-KR" altLang="en-US"/>
           </a:p>
@@ -251,7 +251,7 @@
       </p:sp>
       <p:sp>
         <p:nvSpPr>
-          <p:cNvPr id="5" name="바닥글 개체 틀 4"/>
+          <p:cNvPr id="5" name="Footer Placeholder 4"/>
           <p:cNvSpPr>
             <a:spLocks noGrp="1"/>
           </p:cNvSpPr>
@@ -270,7 +270,7 @@
       </p:sp>
       <p:sp>
         <p:nvSpPr>
-          <p:cNvPr id="6" name="슬라이드 번호 개체 틀 5"/>
+          <p:cNvPr id="6" name="Slide Number Placeholder 5"/>
           <p:cNvSpPr>
             <a:spLocks noGrp="1"/>
           </p:cNvSpPr>
@@ -294,7 +294,7 @@
     </p:spTree>
     <p:extLst>
       <p:ext uri="{BB962C8B-B14F-4D97-AF65-F5344CB8AC3E}">
-        <p14:creationId xmlns:p14="http://schemas.microsoft.com/office/powerpoint/2010/main" val="1048128831"/>
+        <p14:creationId xmlns:p14="http://schemas.microsoft.com/office/powerpoint/2010/main" val="1082136216"/>
       </p:ext>
     </p:extLst>
   </p:cSld>
@@ -323,7 +323,7 @@
       </p:grpSpPr>
       <p:sp>
         <p:nvSpPr>
-          <p:cNvPr id="2" name="제목 1"/>
+          <p:cNvPr id="2" name="Title 1"/>
           <p:cNvSpPr>
             <a:spLocks noGrp="1"/>
           </p:cNvSpPr>
@@ -340,13 +340,13 @@
               <a:rPr lang="ko-KR" altLang="en-US" smtClean="0"/>
               <a:t>마스터 제목 스타일 편집</a:t>
             </a:r>
-            <a:endParaRPr lang="ko-KR" altLang="en-US"/>
+            <a:endParaRPr lang="en-US" dirty="0"/>
           </a:p>
         </p:txBody>
       </p:sp>
       <p:sp>
         <p:nvSpPr>
-          <p:cNvPr id="3" name="세로 텍스트 개체 틀 2"/>
+          <p:cNvPr id="3" name="Vertical Text Placeholder 2"/>
           <p:cNvSpPr>
             <a:spLocks noGrp="1"/>
           </p:cNvSpPr>
@@ -392,13 +392,13 @@
               <a:rPr lang="ko-KR" altLang="en-US" smtClean="0"/>
               <a:t>다섯째 수준</a:t>
             </a:r>
-            <a:endParaRPr lang="ko-KR" altLang="en-US"/>
+            <a:endParaRPr lang="en-US" dirty="0"/>
           </a:p>
         </p:txBody>
       </p:sp>
       <p:sp>
         <p:nvSpPr>
-          <p:cNvPr id="4" name="날짜 개체 틀 3"/>
+          <p:cNvPr id="4" name="Date Placeholder 3"/>
           <p:cNvSpPr>
             <a:spLocks noGrp="1"/>
           </p:cNvSpPr>
@@ -413,7 +413,7 @@
           <a:p>
             <a:fld id="{DD7C582F-68CC-4ED5-BDE7-B0B1769AA519}" type="datetimeFigureOut">
               <a:rPr lang="ko-KR" altLang="en-US" smtClean="0"/>
-              <a:t>2021-02-28</a:t>
+              <a:t>2021-03-13</a:t>
             </a:fld>
             <a:endParaRPr lang="ko-KR" altLang="en-US"/>
           </a:p>
@@ -421,7 +421,7 @@
       </p:sp>
       <p:sp>
         <p:nvSpPr>
-          <p:cNvPr id="5" name="바닥글 개체 틀 4"/>
+          <p:cNvPr id="5" name="Footer Placeholder 4"/>
           <p:cNvSpPr>
             <a:spLocks noGrp="1"/>
           </p:cNvSpPr>
@@ -440,7 +440,7 @@
       </p:sp>
       <p:sp>
         <p:nvSpPr>
-          <p:cNvPr id="6" name="슬라이드 번호 개체 틀 5"/>
+          <p:cNvPr id="6" name="Slide Number Placeholder 5"/>
           <p:cNvSpPr>
             <a:spLocks noGrp="1"/>
           </p:cNvSpPr>
@@ -464,7 +464,7 @@
     </p:spTree>
     <p:extLst>
       <p:ext uri="{BB962C8B-B14F-4D97-AF65-F5344CB8AC3E}">
-        <p14:creationId xmlns:p14="http://schemas.microsoft.com/office/powerpoint/2010/main" val="1630610093"/>
+        <p14:creationId xmlns:p14="http://schemas.microsoft.com/office/powerpoint/2010/main" val="2815623764"/>
       </p:ext>
     </p:extLst>
   </p:cSld>
@@ -493,7 +493,7 @@
       </p:grpSpPr>
       <p:sp>
         <p:nvSpPr>
-          <p:cNvPr id="2" name="세로 제목 1"/>
+          <p:cNvPr id="2" name="Vertical Title 1"/>
           <p:cNvSpPr>
             <a:spLocks noGrp="1"/>
           </p:cNvSpPr>
@@ -515,13 +515,13 @@
               <a:rPr lang="ko-KR" altLang="en-US" smtClean="0"/>
               <a:t>마스터 제목 스타일 편집</a:t>
             </a:r>
-            <a:endParaRPr lang="ko-KR" altLang="en-US"/>
+            <a:endParaRPr lang="en-US" dirty="0"/>
           </a:p>
         </p:txBody>
       </p:sp>
       <p:sp>
         <p:nvSpPr>
-          <p:cNvPr id="3" name="세로 텍스트 개체 틀 2"/>
+          <p:cNvPr id="3" name="Vertical Text Placeholder 2"/>
           <p:cNvSpPr>
             <a:spLocks noGrp="1"/>
           </p:cNvSpPr>
@@ -572,13 +572,13 @@
               <a:rPr lang="ko-KR" altLang="en-US" smtClean="0"/>
               <a:t>다섯째 수준</a:t>
             </a:r>
-            <a:endParaRPr lang="ko-KR" altLang="en-US"/>
+            <a:endParaRPr lang="en-US" dirty="0"/>
           </a:p>
         </p:txBody>
       </p:sp>
       <p:sp>
         <p:nvSpPr>
-          <p:cNvPr id="4" name="날짜 개체 틀 3"/>
+          <p:cNvPr id="4" name="Date Placeholder 3"/>
           <p:cNvSpPr>
             <a:spLocks noGrp="1"/>
           </p:cNvSpPr>
@@ -593,7 +593,7 @@
           <a:p>
             <a:fld id="{DD7C582F-68CC-4ED5-BDE7-B0B1769AA519}" type="datetimeFigureOut">
               <a:rPr lang="ko-KR" altLang="en-US" smtClean="0"/>
-              <a:t>2021-02-28</a:t>
+              <a:t>2021-03-13</a:t>
             </a:fld>
             <a:endParaRPr lang="ko-KR" altLang="en-US"/>
           </a:p>
@@ -601,7 +601,7 @@
       </p:sp>
       <p:sp>
         <p:nvSpPr>
-          <p:cNvPr id="5" name="바닥글 개체 틀 4"/>
+          <p:cNvPr id="5" name="Footer Placeholder 4"/>
           <p:cNvSpPr>
             <a:spLocks noGrp="1"/>
           </p:cNvSpPr>
@@ -620,7 +620,7 @@
       </p:sp>
       <p:sp>
         <p:nvSpPr>
-          <p:cNvPr id="6" name="슬라이드 번호 개체 틀 5"/>
+          <p:cNvPr id="6" name="Slide Number Placeholder 5"/>
           <p:cNvSpPr>
             <a:spLocks noGrp="1"/>
           </p:cNvSpPr>
@@ -644,7 +644,7 @@
     </p:spTree>
     <p:extLst>
       <p:ext uri="{BB962C8B-B14F-4D97-AF65-F5344CB8AC3E}">
-        <p14:creationId xmlns:p14="http://schemas.microsoft.com/office/powerpoint/2010/main" val="1725297019"/>
+        <p14:creationId xmlns:p14="http://schemas.microsoft.com/office/powerpoint/2010/main" val="2447545780"/>
       </p:ext>
     </p:extLst>
   </p:cSld>
@@ -673,7 +673,7 @@
       </p:grpSpPr>
       <p:sp>
         <p:nvSpPr>
-          <p:cNvPr id="2" name="제목 1"/>
+          <p:cNvPr id="2" name="Title 1"/>
           <p:cNvSpPr>
             <a:spLocks noGrp="1"/>
           </p:cNvSpPr>
@@ -690,13 +690,13 @@
               <a:rPr lang="ko-KR" altLang="en-US" smtClean="0"/>
               <a:t>마스터 제목 스타일 편집</a:t>
             </a:r>
-            <a:endParaRPr lang="ko-KR" altLang="en-US"/>
+            <a:endParaRPr lang="en-US" dirty="0"/>
           </a:p>
         </p:txBody>
       </p:sp>
       <p:sp>
         <p:nvSpPr>
-          <p:cNvPr id="3" name="내용 개체 틀 2"/>
+          <p:cNvPr id="3" name="Content Placeholder 2"/>
           <p:cNvSpPr>
             <a:spLocks noGrp="1"/>
           </p:cNvSpPr>
@@ -742,13 +742,13 @@
               <a:rPr lang="ko-KR" altLang="en-US" smtClean="0"/>
               <a:t>다섯째 수준</a:t>
             </a:r>
-            <a:endParaRPr lang="ko-KR" altLang="en-US"/>
+            <a:endParaRPr lang="en-US" dirty="0"/>
           </a:p>
         </p:txBody>
       </p:sp>
       <p:sp>
         <p:nvSpPr>
-          <p:cNvPr id="4" name="날짜 개체 틀 3"/>
+          <p:cNvPr id="4" name="Date Placeholder 3"/>
           <p:cNvSpPr>
             <a:spLocks noGrp="1"/>
           </p:cNvSpPr>
@@ -763,7 +763,7 @@
           <a:p>
             <a:fld id="{DD7C582F-68CC-4ED5-BDE7-B0B1769AA519}" type="datetimeFigureOut">
               <a:rPr lang="ko-KR" altLang="en-US" smtClean="0"/>
-              <a:t>2021-02-28</a:t>
+              <a:t>2021-03-13</a:t>
             </a:fld>
             <a:endParaRPr lang="ko-KR" altLang="en-US"/>
           </a:p>
@@ -771,7 +771,7 @@
       </p:sp>
       <p:sp>
         <p:nvSpPr>
-          <p:cNvPr id="5" name="바닥글 개체 틀 4"/>
+          <p:cNvPr id="5" name="Footer Placeholder 4"/>
           <p:cNvSpPr>
             <a:spLocks noGrp="1"/>
           </p:cNvSpPr>
@@ -790,7 +790,7 @@
       </p:sp>
       <p:sp>
         <p:nvSpPr>
-          <p:cNvPr id="6" name="슬라이드 번호 개체 틀 5"/>
+          <p:cNvPr id="6" name="Slide Number Placeholder 5"/>
           <p:cNvSpPr>
             <a:spLocks noGrp="1"/>
           </p:cNvSpPr>
@@ -814,7 +814,7 @@
     </p:spTree>
     <p:extLst>
       <p:ext uri="{BB962C8B-B14F-4D97-AF65-F5344CB8AC3E}">
-        <p14:creationId xmlns:p14="http://schemas.microsoft.com/office/powerpoint/2010/main" val="758839185"/>
+        <p14:creationId xmlns:p14="http://schemas.microsoft.com/office/powerpoint/2010/main" val="2613696824"/>
       </p:ext>
     </p:extLst>
   </p:cSld>
@@ -843,7 +843,7 @@
       </p:grpSpPr>
       <p:sp>
         <p:nvSpPr>
-          <p:cNvPr id="2" name="제목 1"/>
+          <p:cNvPr id="2" name="Title 1"/>
           <p:cNvSpPr>
             <a:spLocks noGrp="1"/>
           </p:cNvSpPr>
@@ -869,13 +869,13 @@
               <a:rPr lang="ko-KR" altLang="en-US" smtClean="0"/>
               <a:t>마스터 제목 스타일 편집</a:t>
             </a:r>
-            <a:endParaRPr lang="ko-KR" altLang="en-US"/>
+            <a:endParaRPr lang="en-US" dirty="0"/>
           </a:p>
         </p:txBody>
       </p:sp>
       <p:sp>
         <p:nvSpPr>
-          <p:cNvPr id="3" name="텍스트 개체 틀 2"/>
+          <p:cNvPr id="3" name="Text Placeholder 2"/>
           <p:cNvSpPr>
             <a:spLocks noGrp="1"/>
           </p:cNvSpPr>
@@ -994,7 +994,7 @@
       </p:sp>
       <p:sp>
         <p:nvSpPr>
-          <p:cNvPr id="4" name="날짜 개체 틀 3"/>
+          <p:cNvPr id="4" name="Date Placeholder 3"/>
           <p:cNvSpPr>
             <a:spLocks noGrp="1"/>
           </p:cNvSpPr>
@@ -1009,7 +1009,7 @@
           <a:p>
             <a:fld id="{DD7C582F-68CC-4ED5-BDE7-B0B1769AA519}" type="datetimeFigureOut">
               <a:rPr lang="ko-KR" altLang="en-US" smtClean="0"/>
-              <a:t>2021-02-28</a:t>
+              <a:t>2021-03-13</a:t>
             </a:fld>
             <a:endParaRPr lang="ko-KR" altLang="en-US"/>
           </a:p>
@@ -1017,7 +1017,7 @@
       </p:sp>
       <p:sp>
         <p:nvSpPr>
-          <p:cNvPr id="5" name="바닥글 개체 틀 4"/>
+          <p:cNvPr id="5" name="Footer Placeholder 4"/>
           <p:cNvSpPr>
             <a:spLocks noGrp="1"/>
           </p:cNvSpPr>
@@ -1036,7 +1036,7 @@
       </p:sp>
       <p:sp>
         <p:nvSpPr>
-          <p:cNvPr id="6" name="슬라이드 번호 개체 틀 5"/>
+          <p:cNvPr id="6" name="Slide Number Placeholder 5"/>
           <p:cNvSpPr>
             <a:spLocks noGrp="1"/>
           </p:cNvSpPr>
@@ -1060,7 +1060,7 @@
     </p:spTree>
     <p:extLst>
       <p:ext uri="{BB962C8B-B14F-4D97-AF65-F5344CB8AC3E}">
-        <p14:creationId xmlns:p14="http://schemas.microsoft.com/office/powerpoint/2010/main" val="738345362"/>
+        <p14:creationId xmlns:p14="http://schemas.microsoft.com/office/powerpoint/2010/main" val="1133911604"/>
       </p:ext>
     </p:extLst>
   </p:cSld>
@@ -1089,7 +1089,7 @@
       </p:grpSpPr>
       <p:sp>
         <p:nvSpPr>
-          <p:cNvPr id="2" name="제목 1"/>
+          <p:cNvPr id="2" name="Title 1"/>
           <p:cNvSpPr>
             <a:spLocks noGrp="1"/>
           </p:cNvSpPr>
@@ -1106,13 +1106,13 @@
               <a:rPr lang="ko-KR" altLang="en-US" smtClean="0"/>
               <a:t>마스터 제목 스타일 편집</a:t>
             </a:r>
-            <a:endParaRPr lang="ko-KR" altLang="en-US"/>
+            <a:endParaRPr lang="en-US" dirty="0"/>
           </a:p>
         </p:txBody>
       </p:sp>
       <p:sp>
         <p:nvSpPr>
-          <p:cNvPr id="3" name="내용 개체 틀 2"/>
+          <p:cNvPr id="3" name="Content Placeholder 2"/>
           <p:cNvSpPr>
             <a:spLocks noGrp="1"/>
           </p:cNvSpPr>
@@ -1163,13 +1163,13 @@
               <a:rPr lang="ko-KR" altLang="en-US" smtClean="0"/>
               <a:t>다섯째 수준</a:t>
             </a:r>
-            <a:endParaRPr lang="ko-KR" altLang="en-US"/>
+            <a:endParaRPr lang="en-US" dirty="0"/>
           </a:p>
         </p:txBody>
       </p:sp>
       <p:sp>
         <p:nvSpPr>
-          <p:cNvPr id="4" name="내용 개체 틀 3"/>
+          <p:cNvPr id="4" name="Content Placeholder 3"/>
           <p:cNvSpPr>
             <a:spLocks noGrp="1"/>
           </p:cNvSpPr>
@@ -1220,13 +1220,13 @@
               <a:rPr lang="ko-KR" altLang="en-US" smtClean="0"/>
               <a:t>다섯째 수준</a:t>
             </a:r>
-            <a:endParaRPr lang="ko-KR" altLang="en-US"/>
+            <a:endParaRPr lang="en-US" dirty="0"/>
           </a:p>
         </p:txBody>
       </p:sp>
       <p:sp>
         <p:nvSpPr>
-          <p:cNvPr id="5" name="날짜 개체 틀 4"/>
+          <p:cNvPr id="5" name="Date Placeholder 4"/>
           <p:cNvSpPr>
             <a:spLocks noGrp="1"/>
           </p:cNvSpPr>
@@ -1241,7 +1241,7 @@
           <a:p>
             <a:fld id="{DD7C582F-68CC-4ED5-BDE7-B0B1769AA519}" type="datetimeFigureOut">
               <a:rPr lang="ko-KR" altLang="en-US" smtClean="0"/>
-              <a:t>2021-02-28</a:t>
+              <a:t>2021-03-13</a:t>
             </a:fld>
             <a:endParaRPr lang="ko-KR" altLang="en-US"/>
           </a:p>
@@ -1249,7 +1249,7 @@
       </p:sp>
       <p:sp>
         <p:nvSpPr>
-          <p:cNvPr id="6" name="바닥글 개체 틀 5"/>
+          <p:cNvPr id="6" name="Footer Placeholder 5"/>
           <p:cNvSpPr>
             <a:spLocks noGrp="1"/>
           </p:cNvSpPr>
@@ -1268,7 +1268,7 @@
       </p:sp>
       <p:sp>
         <p:nvSpPr>
-          <p:cNvPr id="7" name="슬라이드 번호 개체 틀 6"/>
+          <p:cNvPr id="7" name="Slide Number Placeholder 6"/>
           <p:cNvSpPr>
             <a:spLocks noGrp="1"/>
           </p:cNvSpPr>
@@ -1292,7 +1292,7 @@
     </p:spTree>
     <p:extLst>
       <p:ext uri="{BB962C8B-B14F-4D97-AF65-F5344CB8AC3E}">
-        <p14:creationId xmlns:p14="http://schemas.microsoft.com/office/powerpoint/2010/main" val="4264436047"/>
+        <p14:creationId xmlns:p14="http://schemas.microsoft.com/office/powerpoint/2010/main" val="3379277535"/>
       </p:ext>
     </p:extLst>
   </p:cSld>
@@ -1321,7 +1321,7 @@
       </p:grpSpPr>
       <p:sp>
         <p:nvSpPr>
-          <p:cNvPr id="2" name="제목 1"/>
+          <p:cNvPr id="2" name="Title 1"/>
           <p:cNvSpPr>
             <a:spLocks noGrp="1"/>
           </p:cNvSpPr>
@@ -1343,13 +1343,13 @@
               <a:rPr lang="ko-KR" altLang="en-US" smtClean="0"/>
               <a:t>마스터 제목 스타일 편집</a:t>
             </a:r>
-            <a:endParaRPr lang="ko-KR" altLang="en-US"/>
+            <a:endParaRPr lang="en-US" dirty="0"/>
           </a:p>
         </p:txBody>
       </p:sp>
       <p:sp>
         <p:nvSpPr>
-          <p:cNvPr id="3" name="텍스트 개체 틀 2"/>
+          <p:cNvPr id="3" name="Text Placeholder 2"/>
           <p:cNvSpPr>
             <a:spLocks noGrp="1"/>
           </p:cNvSpPr>
@@ -1414,7 +1414,7 @@
       </p:sp>
       <p:sp>
         <p:nvSpPr>
-          <p:cNvPr id="4" name="내용 개체 틀 3"/>
+          <p:cNvPr id="4" name="Content Placeholder 3"/>
           <p:cNvSpPr>
             <a:spLocks noGrp="1"/>
           </p:cNvSpPr>
@@ -1465,13 +1465,13 @@
               <a:rPr lang="ko-KR" altLang="en-US" smtClean="0"/>
               <a:t>다섯째 수준</a:t>
             </a:r>
-            <a:endParaRPr lang="ko-KR" altLang="en-US"/>
+            <a:endParaRPr lang="en-US" dirty="0"/>
           </a:p>
         </p:txBody>
       </p:sp>
       <p:sp>
         <p:nvSpPr>
-          <p:cNvPr id="5" name="텍스트 개체 틀 4"/>
+          <p:cNvPr id="5" name="Text Placeholder 4"/>
           <p:cNvSpPr>
             <a:spLocks noGrp="1"/>
           </p:cNvSpPr>
@@ -1536,7 +1536,7 @@
       </p:sp>
       <p:sp>
         <p:nvSpPr>
-          <p:cNvPr id="6" name="내용 개체 틀 5"/>
+          <p:cNvPr id="6" name="Content Placeholder 5"/>
           <p:cNvSpPr>
             <a:spLocks noGrp="1"/>
           </p:cNvSpPr>
@@ -1587,13 +1587,13 @@
               <a:rPr lang="ko-KR" altLang="en-US" smtClean="0"/>
               <a:t>다섯째 수준</a:t>
             </a:r>
-            <a:endParaRPr lang="ko-KR" altLang="en-US"/>
+            <a:endParaRPr lang="en-US" dirty="0"/>
           </a:p>
         </p:txBody>
       </p:sp>
       <p:sp>
         <p:nvSpPr>
-          <p:cNvPr id="7" name="날짜 개체 틀 6"/>
+          <p:cNvPr id="7" name="Date Placeholder 6"/>
           <p:cNvSpPr>
             <a:spLocks noGrp="1"/>
           </p:cNvSpPr>
@@ -1608,7 +1608,7 @@
           <a:p>
             <a:fld id="{DD7C582F-68CC-4ED5-BDE7-B0B1769AA519}" type="datetimeFigureOut">
               <a:rPr lang="ko-KR" altLang="en-US" smtClean="0"/>
-              <a:t>2021-02-28</a:t>
+              <a:t>2021-03-13</a:t>
             </a:fld>
             <a:endParaRPr lang="ko-KR" altLang="en-US"/>
           </a:p>
@@ -1616,7 +1616,7 @@
       </p:sp>
       <p:sp>
         <p:nvSpPr>
-          <p:cNvPr id="8" name="바닥글 개체 틀 7"/>
+          <p:cNvPr id="8" name="Footer Placeholder 7"/>
           <p:cNvSpPr>
             <a:spLocks noGrp="1"/>
           </p:cNvSpPr>
@@ -1635,7 +1635,7 @@
       </p:sp>
       <p:sp>
         <p:nvSpPr>
-          <p:cNvPr id="9" name="슬라이드 번호 개체 틀 8"/>
+          <p:cNvPr id="9" name="Slide Number Placeholder 8"/>
           <p:cNvSpPr>
             <a:spLocks noGrp="1"/>
           </p:cNvSpPr>
@@ -1659,7 +1659,7 @@
     </p:spTree>
     <p:extLst>
       <p:ext uri="{BB962C8B-B14F-4D97-AF65-F5344CB8AC3E}">
-        <p14:creationId xmlns:p14="http://schemas.microsoft.com/office/powerpoint/2010/main" val="2695737609"/>
+        <p14:creationId xmlns:p14="http://schemas.microsoft.com/office/powerpoint/2010/main" val="3749306762"/>
       </p:ext>
     </p:extLst>
   </p:cSld>
@@ -1688,7 +1688,7 @@
       </p:grpSpPr>
       <p:sp>
         <p:nvSpPr>
-          <p:cNvPr id="2" name="제목 1"/>
+          <p:cNvPr id="2" name="Title 1"/>
           <p:cNvSpPr>
             <a:spLocks noGrp="1"/>
           </p:cNvSpPr>
@@ -1705,13 +1705,13 @@
               <a:rPr lang="ko-KR" altLang="en-US" smtClean="0"/>
               <a:t>마스터 제목 스타일 편집</a:t>
             </a:r>
-            <a:endParaRPr lang="ko-KR" altLang="en-US"/>
+            <a:endParaRPr lang="en-US" dirty="0"/>
           </a:p>
         </p:txBody>
       </p:sp>
       <p:sp>
         <p:nvSpPr>
-          <p:cNvPr id="3" name="날짜 개체 틀 2"/>
+          <p:cNvPr id="3" name="Date Placeholder 2"/>
           <p:cNvSpPr>
             <a:spLocks noGrp="1"/>
           </p:cNvSpPr>
@@ -1726,7 +1726,7 @@
           <a:p>
             <a:fld id="{DD7C582F-68CC-4ED5-BDE7-B0B1769AA519}" type="datetimeFigureOut">
               <a:rPr lang="ko-KR" altLang="en-US" smtClean="0"/>
-              <a:t>2021-02-28</a:t>
+              <a:t>2021-03-13</a:t>
             </a:fld>
             <a:endParaRPr lang="ko-KR" altLang="en-US"/>
           </a:p>
@@ -1734,7 +1734,7 @@
       </p:sp>
       <p:sp>
         <p:nvSpPr>
-          <p:cNvPr id="4" name="바닥글 개체 틀 3"/>
+          <p:cNvPr id="4" name="Footer Placeholder 3"/>
           <p:cNvSpPr>
             <a:spLocks noGrp="1"/>
           </p:cNvSpPr>
@@ -1753,7 +1753,7 @@
       </p:sp>
       <p:sp>
         <p:nvSpPr>
-          <p:cNvPr id="5" name="슬라이드 번호 개체 틀 4"/>
+          <p:cNvPr id="5" name="Slide Number Placeholder 4"/>
           <p:cNvSpPr>
             <a:spLocks noGrp="1"/>
           </p:cNvSpPr>
@@ -1777,7 +1777,7 @@
     </p:spTree>
     <p:extLst>
       <p:ext uri="{BB962C8B-B14F-4D97-AF65-F5344CB8AC3E}">
-        <p14:creationId xmlns:p14="http://schemas.microsoft.com/office/powerpoint/2010/main" val="3678358071"/>
+        <p14:creationId xmlns:p14="http://schemas.microsoft.com/office/powerpoint/2010/main" val="2106089359"/>
       </p:ext>
     </p:extLst>
   </p:cSld>
@@ -1806,7 +1806,7 @@
       </p:grpSpPr>
       <p:sp>
         <p:nvSpPr>
-          <p:cNvPr id="2" name="날짜 개체 틀 1"/>
+          <p:cNvPr id="2" name="Date Placeholder 1"/>
           <p:cNvSpPr>
             <a:spLocks noGrp="1"/>
           </p:cNvSpPr>
@@ -1821,7 +1821,7 @@
           <a:p>
             <a:fld id="{DD7C582F-68CC-4ED5-BDE7-B0B1769AA519}" type="datetimeFigureOut">
               <a:rPr lang="ko-KR" altLang="en-US" smtClean="0"/>
-              <a:t>2021-02-28</a:t>
+              <a:t>2021-03-13</a:t>
             </a:fld>
             <a:endParaRPr lang="ko-KR" altLang="en-US"/>
           </a:p>
@@ -1829,7 +1829,7 @@
       </p:sp>
       <p:sp>
         <p:nvSpPr>
-          <p:cNvPr id="3" name="바닥글 개체 틀 2"/>
+          <p:cNvPr id="3" name="Footer Placeholder 2"/>
           <p:cNvSpPr>
             <a:spLocks noGrp="1"/>
           </p:cNvSpPr>
@@ -1848,7 +1848,7 @@
       </p:sp>
       <p:sp>
         <p:nvSpPr>
-          <p:cNvPr id="4" name="슬라이드 번호 개체 틀 3"/>
+          <p:cNvPr id="4" name="Slide Number Placeholder 3"/>
           <p:cNvSpPr>
             <a:spLocks noGrp="1"/>
           </p:cNvSpPr>
@@ -1872,7 +1872,7 @@
     </p:spTree>
     <p:extLst>
       <p:ext uri="{BB962C8B-B14F-4D97-AF65-F5344CB8AC3E}">
-        <p14:creationId xmlns:p14="http://schemas.microsoft.com/office/powerpoint/2010/main" val="3658670233"/>
+        <p14:creationId xmlns:p14="http://schemas.microsoft.com/office/powerpoint/2010/main" val="2477426273"/>
       </p:ext>
     </p:extLst>
   </p:cSld>
@@ -1901,7 +1901,7 @@
       </p:grpSpPr>
       <p:sp>
         <p:nvSpPr>
-          <p:cNvPr id="2" name="제목 1"/>
+          <p:cNvPr id="2" name="Title 1"/>
           <p:cNvSpPr>
             <a:spLocks noGrp="1"/>
           </p:cNvSpPr>
@@ -1927,13 +1927,13 @@
               <a:rPr lang="ko-KR" altLang="en-US" smtClean="0"/>
               <a:t>마스터 제목 스타일 편집</a:t>
             </a:r>
-            <a:endParaRPr lang="ko-KR" altLang="en-US"/>
+            <a:endParaRPr lang="en-US" dirty="0"/>
           </a:p>
         </p:txBody>
       </p:sp>
       <p:sp>
         <p:nvSpPr>
-          <p:cNvPr id="3" name="내용 개체 틀 2"/>
+          <p:cNvPr id="3" name="Content Placeholder 2"/>
           <p:cNvSpPr>
             <a:spLocks noGrp="1"/>
           </p:cNvSpPr>
@@ -2012,13 +2012,13 @@
               <a:rPr lang="ko-KR" altLang="en-US" smtClean="0"/>
               <a:t>다섯째 수준</a:t>
             </a:r>
-            <a:endParaRPr lang="ko-KR" altLang="en-US"/>
+            <a:endParaRPr lang="en-US" dirty="0"/>
           </a:p>
         </p:txBody>
       </p:sp>
       <p:sp>
         <p:nvSpPr>
-          <p:cNvPr id="4" name="텍스트 개체 틀 3"/>
+          <p:cNvPr id="4" name="Text Placeholder 3"/>
           <p:cNvSpPr>
             <a:spLocks noGrp="1"/>
           </p:cNvSpPr>
@@ -2083,7 +2083,7 @@
       </p:sp>
       <p:sp>
         <p:nvSpPr>
-          <p:cNvPr id="5" name="날짜 개체 틀 4"/>
+          <p:cNvPr id="5" name="Date Placeholder 4"/>
           <p:cNvSpPr>
             <a:spLocks noGrp="1"/>
           </p:cNvSpPr>
@@ -2098,7 +2098,7 @@
           <a:p>
             <a:fld id="{DD7C582F-68CC-4ED5-BDE7-B0B1769AA519}" type="datetimeFigureOut">
               <a:rPr lang="ko-KR" altLang="en-US" smtClean="0"/>
-              <a:t>2021-02-28</a:t>
+              <a:t>2021-03-13</a:t>
             </a:fld>
             <a:endParaRPr lang="ko-KR" altLang="en-US"/>
           </a:p>
@@ -2106,7 +2106,7 @@
       </p:sp>
       <p:sp>
         <p:nvSpPr>
-          <p:cNvPr id="6" name="바닥글 개체 틀 5"/>
+          <p:cNvPr id="6" name="Footer Placeholder 5"/>
           <p:cNvSpPr>
             <a:spLocks noGrp="1"/>
           </p:cNvSpPr>
@@ -2125,7 +2125,7 @@
       </p:sp>
       <p:sp>
         <p:nvSpPr>
-          <p:cNvPr id="7" name="슬라이드 번호 개체 틀 6"/>
+          <p:cNvPr id="7" name="Slide Number Placeholder 6"/>
           <p:cNvSpPr>
             <a:spLocks noGrp="1"/>
           </p:cNvSpPr>
@@ -2149,7 +2149,7 @@
     </p:spTree>
     <p:extLst>
       <p:ext uri="{BB962C8B-B14F-4D97-AF65-F5344CB8AC3E}">
-        <p14:creationId xmlns:p14="http://schemas.microsoft.com/office/powerpoint/2010/main" val="3900790965"/>
+        <p14:creationId xmlns:p14="http://schemas.microsoft.com/office/powerpoint/2010/main" val="2511787119"/>
       </p:ext>
     </p:extLst>
   </p:cSld>
@@ -2178,7 +2178,7 @@
       </p:grpSpPr>
       <p:sp>
         <p:nvSpPr>
-          <p:cNvPr id="2" name="제목 1"/>
+          <p:cNvPr id="2" name="Title 1"/>
           <p:cNvSpPr>
             <a:spLocks noGrp="1"/>
           </p:cNvSpPr>
@@ -2204,15 +2204,15 @@
               <a:rPr lang="ko-KR" altLang="en-US" smtClean="0"/>
               <a:t>마스터 제목 스타일 편집</a:t>
             </a:r>
-            <a:endParaRPr lang="ko-KR" altLang="en-US"/>
+            <a:endParaRPr lang="en-US" dirty="0"/>
           </a:p>
         </p:txBody>
       </p:sp>
       <p:sp>
         <p:nvSpPr>
-          <p:cNvPr id="3" name="그림 개체 틀 2"/>
+          <p:cNvPr id="3" name="Picture Placeholder 2"/>
           <p:cNvSpPr>
-            <a:spLocks noGrp="1"/>
+            <a:spLocks noGrp="1" noChangeAspect="1"/>
           </p:cNvSpPr>
           <p:nvPr>
             <p:ph type="pic" idx="1"/>
@@ -2225,7 +2225,7 @@
           </a:xfrm>
         </p:spPr>
         <p:txBody>
-          <a:bodyPr/>
+          <a:bodyPr anchor="t"/>
           <a:lstStyle>
             <a:lvl1pPr marL="0" indent="0">
               <a:buNone/>
@@ -2265,13 +2265,17 @@
             </a:lvl9pPr>
           </a:lstStyle>
           <a:p>
-            <a:endParaRPr lang="ko-KR" altLang="en-US"/>
+            <a:r>
+              <a:rPr lang="ko-KR" altLang="en-US" smtClean="0"/>
+              <a:t>그림을 추가하려면 아이콘을 클릭하십시오</a:t>
+            </a:r>
+            <a:endParaRPr lang="en-US" dirty="0"/>
           </a:p>
         </p:txBody>
       </p:sp>
       <p:sp>
         <p:nvSpPr>
-          <p:cNvPr id="4" name="텍스트 개체 틀 3"/>
+          <p:cNvPr id="4" name="Text Placeholder 3"/>
           <p:cNvSpPr>
             <a:spLocks noGrp="1"/>
           </p:cNvSpPr>
@@ -2336,7 +2340,7 @@
       </p:sp>
       <p:sp>
         <p:nvSpPr>
-          <p:cNvPr id="5" name="날짜 개체 틀 4"/>
+          <p:cNvPr id="5" name="Date Placeholder 4"/>
           <p:cNvSpPr>
             <a:spLocks noGrp="1"/>
           </p:cNvSpPr>
@@ -2351,7 +2355,7 @@
           <a:p>
             <a:fld id="{DD7C582F-68CC-4ED5-BDE7-B0B1769AA519}" type="datetimeFigureOut">
               <a:rPr lang="ko-KR" altLang="en-US" smtClean="0"/>
-              <a:t>2021-02-28</a:t>
+              <a:t>2021-03-13</a:t>
             </a:fld>
             <a:endParaRPr lang="ko-KR" altLang="en-US"/>
           </a:p>
@@ -2359,7 +2363,7 @@
       </p:sp>
       <p:sp>
         <p:nvSpPr>
-          <p:cNvPr id="6" name="바닥글 개체 틀 5"/>
+          <p:cNvPr id="6" name="Footer Placeholder 5"/>
           <p:cNvSpPr>
             <a:spLocks noGrp="1"/>
           </p:cNvSpPr>
@@ -2378,7 +2382,7 @@
       </p:sp>
       <p:sp>
         <p:nvSpPr>
-          <p:cNvPr id="7" name="슬라이드 번호 개체 틀 6"/>
+          <p:cNvPr id="7" name="Slide Number Placeholder 6"/>
           <p:cNvSpPr>
             <a:spLocks noGrp="1"/>
           </p:cNvSpPr>
@@ -2402,7 +2406,7 @@
     </p:spTree>
     <p:extLst>
       <p:ext uri="{BB962C8B-B14F-4D97-AF65-F5344CB8AC3E}">
-        <p14:creationId xmlns:p14="http://schemas.microsoft.com/office/powerpoint/2010/main" val="3445320451"/>
+        <p14:creationId xmlns:p14="http://schemas.microsoft.com/office/powerpoint/2010/main" val="323073020"/>
       </p:ext>
     </p:extLst>
   </p:cSld>
@@ -2436,7 +2440,7 @@
       </p:grpSpPr>
       <p:sp>
         <p:nvSpPr>
-          <p:cNvPr id="2" name="제목 개체 틀 1"/>
+          <p:cNvPr id="2" name="Title Placeholder 1"/>
           <p:cNvSpPr>
             <a:spLocks noGrp="1"/>
           </p:cNvSpPr>
@@ -2463,13 +2467,13 @@
               <a:rPr lang="ko-KR" altLang="en-US" smtClean="0"/>
               <a:t>마스터 제목 스타일 편집</a:t>
             </a:r>
-            <a:endParaRPr lang="ko-KR" altLang="en-US"/>
+            <a:endParaRPr lang="en-US" dirty="0"/>
           </a:p>
         </p:txBody>
       </p:sp>
       <p:sp>
         <p:nvSpPr>
-          <p:cNvPr id="3" name="텍스트 개체 틀 2"/>
+          <p:cNvPr id="3" name="Text Placeholder 2"/>
           <p:cNvSpPr>
             <a:spLocks noGrp="1"/>
           </p:cNvSpPr>
@@ -2525,13 +2529,13 @@
               <a:rPr lang="ko-KR" altLang="en-US" smtClean="0"/>
               <a:t>다섯째 수준</a:t>
             </a:r>
-            <a:endParaRPr lang="ko-KR" altLang="en-US"/>
+            <a:endParaRPr lang="en-US" dirty="0"/>
           </a:p>
         </p:txBody>
       </p:sp>
       <p:sp>
         <p:nvSpPr>
-          <p:cNvPr id="4" name="날짜 개체 틀 3"/>
+          <p:cNvPr id="4" name="Date Placeholder 3"/>
           <p:cNvSpPr>
             <a:spLocks noGrp="1"/>
           </p:cNvSpPr>
@@ -2564,7 +2568,7 @@
           <a:p>
             <a:fld id="{DD7C582F-68CC-4ED5-BDE7-B0B1769AA519}" type="datetimeFigureOut">
               <a:rPr lang="ko-KR" altLang="en-US" smtClean="0"/>
-              <a:t>2021-02-28</a:t>
+              <a:t>2021-03-13</a:t>
             </a:fld>
             <a:endParaRPr lang="ko-KR" altLang="en-US"/>
           </a:p>
@@ -2572,7 +2576,7 @@
       </p:sp>
       <p:sp>
         <p:nvSpPr>
-          <p:cNvPr id="5" name="바닥글 개체 틀 4"/>
+          <p:cNvPr id="5" name="Footer Placeholder 4"/>
           <p:cNvSpPr>
             <a:spLocks noGrp="1"/>
           </p:cNvSpPr>
@@ -2609,7 +2613,7 @@
       </p:sp>
       <p:sp>
         <p:nvSpPr>
-          <p:cNvPr id="6" name="슬라이드 번호 개체 틀 5"/>
+          <p:cNvPr id="6" name="Slide Number Placeholder 5"/>
           <p:cNvSpPr>
             <a:spLocks noGrp="1"/>
           </p:cNvSpPr>
@@ -2651,23 +2655,23 @@
     </p:spTree>
     <p:extLst>
       <p:ext uri="{BB962C8B-B14F-4D97-AF65-F5344CB8AC3E}">
-        <p14:creationId xmlns:p14="http://schemas.microsoft.com/office/powerpoint/2010/main" val="665119205"/>
+        <p14:creationId xmlns:p14="http://schemas.microsoft.com/office/powerpoint/2010/main" val="1421087446"/>
       </p:ext>
     </p:extLst>
   </p:cSld>
-  <p:clrMap bg1="lt1" tx1="dk1" bg2="lt2" tx2="dk2" accent1="accent1" accent2="accent2" accent3="accent3" accent4="accent4" accent5="accent5" accent6="accent6" hlink="hlink" folHlink="folHlink"/>
+  <p:clrMap bg1="dk1" tx1="lt1" bg2="dk2" tx2="lt2" accent1="accent1" accent2="accent2" accent3="accent3" accent4="accent4" accent5="accent5" accent6="accent6" hlink="hlink" folHlink="folHlink"/>
   <p:sldLayoutIdLst>
-    <p:sldLayoutId id="2147483649" r:id="rId1"/>
-    <p:sldLayoutId id="2147483650" r:id="rId2"/>
-    <p:sldLayoutId id="2147483651" r:id="rId3"/>
-    <p:sldLayoutId id="2147483652" r:id="rId4"/>
-    <p:sldLayoutId id="2147483653" r:id="rId5"/>
-    <p:sldLayoutId id="2147483654" r:id="rId6"/>
-    <p:sldLayoutId id="2147483655" r:id="rId7"/>
-    <p:sldLayoutId id="2147483656" r:id="rId8"/>
-    <p:sldLayoutId id="2147483657" r:id="rId9"/>
-    <p:sldLayoutId id="2147483658" r:id="rId10"/>
-    <p:sldLayoutId id="2147483659" r:id="rId11"/>
+    <p:sldLayoutId id="2147483661" r:id="rId1"/>
+    <p:sldLayoutId id="2147483662" r:id="rId2"/>
+    <p:sldLayoutId id="2147483663" r:id="rId3"/>
+    <p:sldLayoutId id="2147483664" r:id="rId4"/>
+    <p:sldLayoutId id="2147483665" r:id="rId5"/>
+    <p:sldLayoutId id="2147483666" r:id="rId6"/>
+    <p:sldLayoutId id="2147483667" r:id="rId7"/>
+    <p:sldLayoutId id="2147483668" r:id="rId8"/>
+    <p:sldLayoutId id="2147483669" r:id="rId9"/>
+    <p:sldLayoutId id="2147483670" r:id="rId10"/>
+    <p:sldLayoutId id="2147483671" r:id="rId11"/>
   </p:sldLayoutIdLst>
   <p:txStyles>
     <p:titleStyle>
@@ -2855,7 +2859,7 @@
     </p:bodyStyle>
     <p:otherStyle>
       <a:defPPr>
-        <a:defRPr lang="ko-KR"/>
+        <a:defRPr lang="en-US"/>
       </a:defPPr>
       <a:lvl1pPr marL="0" algn="l" defTabSz="914400" rtl="0" eaLnBrk="1" latinLnBrk="1" hangingPunct="1">
         <a:defRPr sz="1800" kern="1200">
@@ -2971,14 +2975,14 @@
       </p:grpSpPr>
       <p:sp>
         <p:nvSpPr>
-          <p:cNvPr id="42" name="직사각형 41"/>
+          <p:cNvPr id="7" name="직사각형 6"/>
           <p:cNvSpPr/>
           <p:nvPr/>
         </p:nvSpPr>
         <p:spPr>
           <a:xfrm>
-            <a:off x="0" y="-133350"/>
-            <a:ext cx="17278350" cy="10877550"/>
+            <a:off x="0" y="0"/>
+            <a:ext cx="19013714" cy="7170057"/>
           </a:xfrm>
           <a:prstGeom prst="rect">
             <a:avLst/>
@@ -3017,8 +3021,8 @@
         </p:nvGrpSpPr>
         <p:grpSpPr>
           <a:xfrm>
-            <a:off x="673100" y="139700"/>
-            <a:ext cx="3556000" cy="1765300"/>
+            <a:off x="-5829810" y="2609653"/>
+            <a:ext cx="2603500" cy="1292452"/>
             <a:chOff x="673100" y="488950"/>
             <a:chExt cx="3556000" cy="1765300"/>
           </a:xfrm>
@@ -3057,24 +3061,24 @@
             <a:lstStyle/>
             <a:p>
               <a:r>
-                <a:rPr lang="ko-KR" altLang="en-US" sz="1400" dirty="0" smtClean="0"/>
+                <a:rPr lang="ko-KR" altLang="en-US" sz="1100" dirty="0" smtClean="0"/>
                 <a:t>연구 레벨 </a:t>
               </a:r>
               <a:r>
-                <a:rPr lang="en-US" altLang="ko-KR" sz="1400" dirty="0" smtClean="0"/>
+                <a:rPr lang="en-US" altLang="ko-KR" sz="1100" dirty="0" smtClean="0"/>
                 <a:t>1 </a:t>
               </a:r>
               <a:r>
-                <a:rPr lang="ko-KR" altLang="en-US" sz="1400" dirty="0" smtClean="0"/>
+                <a:rPr lang="ko-KR" altLang="en-US" sz="1100" dirty="0" smtClean="0"/>
                 <a:t>수준의 시설들 건설 가능</a:t>
               </a:r>
-              <a:endParaRPr lang="en-US" altLang="ko-KR" sz="1400" dirty="0" smtClean="0"/>
-            </a:p>
-            <a:p>
-              <a:endParaRPr lang="en-US" altLang="ko-KR" sz="1400" dirty="0"/>
-            </a:p>
-            <a:p>
-              <a:endParaRPr lang="en-US" altLang="ko-KR" sz="1400" dirty="0" smtClean="0"/>
+              <a:endParaRPr lang="en-US" altLang="ko-KR" sz="1100" dirty="0" smtClean="0"/>
+            </a:p>
+            <a:p>
+              <a:endParaRPr lang="en-US" altLang="ko-KR" sz="1100" dirty="0"/>
+            </a:p>
+            <a:p>
+              <a:endParaRPr lang="en-US" altLang="ko-KR" sz="1100" dirty="0" smtClean="0"/>
             </a:p>
           </p:txBody>
         </p:sp>
@@ -3120,14 +3124,14 @@
             <a:p>
               <a:pPr algn="ctr"/>
               <a:r>
-                <a:rPr lang="ko-KR" altLang="en-US" dirty="0" smtClean="0"/>
+                <a:rPr lang="ko-KR" altLang="en-US" sz="1400" dirty="0" smtClean="0"/>
                 <a:t>연구소</a:t>
               </a:r>
               <a:r>
-                <a:rPr lang="en-US" altLang="ko-KR" dirty="0" smtClean="0"/>
+                <a:rPr lang="en-US" altLang="ko-KR" sz="1400" dirty="0" smtClean="0"/>
                 <a:t>1</a:t>
               </a:r>
-              <a:endParaRPr lang="ko-KR" altLang="en-US" dirty="0"/>
+              <a:endParaRPr lang="ko-KR" altLang="en-US" sz="1400" dirty="0"/>
             </a:p>
           </p:txBody>
         </p:sp>
@@ -3140,8 +3144,8 @@
         </p:nvGrpSpPr>
         <p:grpSpPr>
           <a:xfrm>
-            <a:off x="673100" y="2199481"/>
-            <a:ext cx="3556000" cy="1679575"/>
+            <a:off x="-5829810" y="755367"/>
+            <a:ext cx="2603500" cy="1229689"/>
             <a:chOff x="673100" y="1968500"/>
             <a:chExt cx="3556000" cy="1679575"/>
           </a:xfrm>
@@ -3160,22 +3164,18 @@
             <a:prstGeom prst="rect">
               <a:avLst/>
             </a:prstGeom>
-            <a:solidFill>
-              <a:schemeClr val="tx1">
-                <a:lumMod val="50000"/>
-                <a:lumOff val="50000"/>
-              </a:schemeClr>
-            </a:solidFill>
           </p:spPr>
           <p:style>
-            <a:lnRef idx="3">
-              <a:schemeClr val="lt1"/>
+            <a:lnRef idx="2">
+              <a:schemeClr val="accent3">
+                <a:shade val="50000"/>
+              </a:schemeClr>
             </a:lnRef>
             <a:fillRef idx="1">
-              <a:schemeClr val="accent6"/>
+              <a:schemeClr val="accent3"/>
             </a:fillRef>
-            <a:effectRef idx="1">
-              <a:schemeClr val="accent6"/>
+            <a:effectRef idx="0">
+              <a:schemeClr val="accent3"/>
             </a:effectRef>
             <a:fontRef idx="minor">
               <a:schemeClr val="lt1"/>
@@ -3186,33 +3186,23 @@
             <a:lstStyle/>
             <a:p>
               <a:r>
-                <a:rPr lang="ko-KR" altLang="en-US" sz="1400" dirty="0" smtClean="0"/>
-                <a:t>모든 시설들의 근간</a:t>
-              </a:r>
-              <a:r>
-                <a:rPr lang="en-US" altLang="ko-KR" sz="1400" dirty="0" smtClean="0"/>
+                <a:rPr lang="ko-KR" altLang="en-US" sz="1100" dirty="0" err="1" smtClean="0"/>
+                <a:t>크레딧을</a:t>
+              </a:r>
+              <a:r>
+                <a:rPr lang="ko-KR" altLang="en-US" sz="1100" dirty="0" smtClean="0"/>
+                <a:t> 버는 시설</a:t>
+              </a:r>
+              <a:r>
+                <a:rPr lang="en-US" altLang="ko-KR" sz="1100" dirty="0" smtClean="0"/>
                 <a:t>.</a:t>
               </a:r>
             </a:p>
             <a:p>
-              <a:r>
-                <a:rPr lang="ko-KR" altLang="en-US" sz="1400" dirty="0" smtClean="0"/>
-                <a:t>연구소의 기술 연구 레벨을 바탕으로</a:t>
-              </a:r>
-              <a:endParaRPr lang="en-US" altLang="ko-KR" sz="1400" dirty="0" smtClean="0"/>
-            </a:p>
-            <a:p>
-              <a:r>
-                <a:rPr lang="ko-KR" altLang="en-US" sz="1400" dirty="0" smtClean="0"/>
-                <a:t>다른 시설도 만들 수 있게 된다</a:t>
-              </a:r>
-              <a:r>
-                <a:rPr lang="en-US" altLang="ko-KR" sz="1400" dirty="0" smtClean="0"/>
-                <a:t>.</a:t>
-              </a:r>
-            </a:p>
-            <a:p>
-              <a:endParaRPr lang="en-US" altLang="ko-KR" sz="1400" dirty="0" smtClean="0"/>
+              <a:endParaRPr lang="en-US" altLang="ko-KR" sz="1100" dirty="0" smtClean="0"/>
+            </a:p>
+            <a:p>
+              <a:endParaRPr lang="en-US" altLang="ko-KR" sz="1100" dirty="0" smtClean="0"/>
             </a:p>
           </p:txBody>
         </p:sp>
@@ -3230,23 +3220,18 @@
             <a:prstGeom prst="roundRect">
               <a:avLst/>
             </a:prstGeom>
-            <a:solidFill>
-              <a:schemeClr val="tx2">
-                <a:lumMod val="75000"/>
-              </a:schemeClr>
-            </a:solidFill>
           </p:spPr>
           <p:style>
             <a:lnRef idx="2">
-              <a:schemeClr val="accent6">
+              <a:schemeClr val="accent3">
                 <a:shade val="50000"/>
               </a:schemeClr>
             </a:lnRef>
             <a:fillRef idx="1">
-              <a:schemeClr val="accent6"/>
+              <a:schemeClr val="accent3"/>
             </a:fillRef>
             <a:effectRef idx="0">
-              <a:schemeClr val="accent6"/>
+              <a:schemeClr val="accent3"/>
             </a:effectRef>
             <a:fontRef idx="minor">
               <a:schemeClr val="lt1"/>
@@ -3258,14 +3243,14 @@
             <a:p>
               <a:pPr algn="ctr"/>
               <a:r>
-                <a:rPr lang="ko-KR" altLang="en-US" dirty="0" smtClean="0"/>
+                <a:rPr lang="ko-KR" altLang="en-US" sz="1400" b="1" dirty="0" smtClean="0"/>
                 <a:t>광산</a:t>
               </a:r>
               <a:r>
-                <a:rPr lang="en-US" altLang="ko-KR" dirty="0" smtClean="0"/>
+                <a:rPr lang="en-US" altLang="ko-KR" sz="1400" b="1" dirty="0" smtClean="0"/>
                 <a:t>1</a:t>
               </a:r>
-              <a:endParaRPr lang="ko-KR" altLang="en-US" dirty="0"/>
+              <a:endParaRPr lang="ko-KR" altLang="en-US" sz="1400" b="1" dirty="0"/>
             </a:p>
           </p:txBody>
         </p:sp>
@@ -3278,8 +3263,8 @@
         </p:nvGrpSpPr>
         <p:grpSpPr>
           <a:xfrm>
-            <a:off x="673100" y="4173537"/>
-            <a:ext cx="3556000" cy="1758950"/>
+            <a:off x="-5829810" y="4526702"/>
+            <a:ext cx="2603500" cy="1287802"/>
             <a:chOff x="673100" y="3917950"/>
             <a:chExt cx="3556000" cy="1758950"/>
           </a:xfrm>
@@ -3318,33 +3303,16 @@
             <a:lstStyle/>
             <a:p>
               <a:r>
-                <a:rPr lang="ko-KR" altLang="en-US" sz="1400" dirty="0" smtClean="0"/>
-                <a:t>모든 시설들의 근간</a:t>
-              </a:r>
-              <a:r>
-                <a:rPr lang="en-US" altLang="ko-KR" sz="1400" dirty="0" smtClean="0"/>
+                <a:rPr lang="ko-KR" altLang="en-US" sz="1100" dirty="0" smtClean="0"/>
+                <a:t>된다</a:t>
+              </a:r>
+              <a:r>
+                <a:rPr lang="en-US" altLang="ko-KR" sz="1100" dirty="0" smtClean="0"/>
                 <a:t>.</a:t>
               </a:r>
             </a:p>
             <a:p>
-              <a:r>
-                <a:rPr lang="ko-KR" altLang="en-US" sz="1400" dirty="0" smtClean="0"/>
-                <a:t>연구소의 기술 연구 레벨을 바탕으로</a:t>
-              </a:r>
-              <a:endParaRPr lang="en-US" altLang="ko-KR" sz="1400" dirty="0" smtClean="0"/>
-            </a:p>
-            <a:p>
-              <a:r>
-                <a:rPr lang="ko-KR" altLang="en-US" sz="1400" dirty="0" smtClean="0"/>
-                <a:t>다른 시설도 만들 수 있게 된다</a:t>
-              </a:r>
-              <a:r>
-                <a:rPr lang="en-US" altLang="ko-KR" sz="1400" dirty="0" smtClean="0"/>
-                <a:t>.</a:t>
-              </a:r>
-            </a:p>
-            <a:p>
-              <a:endParaRPr lang="en-US" altLang="ko-KR" sz="1400" dirty="0" smtClean="0"/>
+              <a:endParaRPr lang="en-US" altLang="ko-KR" sz="1100" dirty="0" smtClean="0"/>
             </a:p>
           </p:txBody>
         </p:sp>
@@ -3385,14 +3353,14 @@
             <a:p>
               <a:pPr algn="ctr"/>
               <a:r>
-                <a:rPr lang="ko-KR" altLang="en-US" dirty="0" smtClean="0"/>
+                <a:rPr lang="ko-KR" altLang="en-US" sz="1400" dirty="0" smtClean="0"/>
                 <a:t>장벽</a:t>
               </a:r>
               <a:r>
-                <a:rPr lang="en-US" altLang="ko-KR" dirty="0" smtClean="0"/>
+                <a:rPr lang="en-US" altLang="ko-KR" sz="1400" dirty="0" smtClean="0"/>
                 <a:t>1</a:t>
               </a:r>
-              <a:endParaRPr lang="ko-KR" altLang="en-US" dirty="0"/>
+              <a:endParaRPr lang="ko-KR" altLang="en-US" sz="1400" dirty="0"/>
             </a:p>
           </p:txBody>
         </p:sp>
@@ -3405,8 +3373,8 @@
         </p:nvGrpSpPr>
         <p:grpSpPr>
           <a:xfrm>
-            <a:off x="5333093" y="6226968"/>
-            <a:ext cx="3556000" cy="1765300"/>
+            <a:off x="-2780790" y="175588"/>
+            <a:ext cx="2603500" cy="1292452"/>
             <a:chOff x="673100" y="488950"/>
             <a:chExt cx="3556000" cy="1765300"/>
           </a:xfrm>
@@ -3445,33 +3413,16 @@
             <a:lstStyle/>
             <a:p>
               <a:r>
-                <a:rPr lang="ko-KR" altLang="en-US" sz="1400" dirty="0" smtClean="0"/>
-                <a:t>모든 시설들의 근간</a:t>
-              </a:r>
-              <a:r>
-                <a:rPr lang="en-US" altLang="ko-KR" sz="1400" dirty="0" smtClean="0"/>
+                <a:rPr lang="ko-KR" altLang="en-US" sz="1100" dirty="0" smtClean="0"/>
+                <a:t>된다</a:t>
+              </a:r>
+              <a:r>
+                <a:rPr lang="en-US" altLang="ko-KR" sz="1100" dirty="0" smtClean="0"/>
                 <a:t>.</a:t>
               </a:r>
             </a:p>
             <a:p>
-              <a:r>
-                <a:rPr lang="ko-KR" altLang="en-US" sz="1400" dirty="0" smtClean="0"/>
-                <a:t>연구소의 기술 연구 레벨을 바탕으로</a:t>
-              </a:r>
-              <a:endParaRPr lang="en-US" altLang="ko-KR" sz="1400" dirty="0" smtClean="0"/>
-            </a:p>
-            <a:p>
-              <a:r>
-                <a:rPr lang="ko-KR" altLang="en-US" sz="1400" dirty="0" smtClean="0"/>
-                <a:t>다른 시설도 만들 수 있게 된다</a:t>
-              </a:r>
-              <a:r>
-                <a:rPr lang="en-US" altLang="ko-KR" sz="1400" dirty="0" smtClean="0"/>
-                <a:t>.</a:t>
-              </a:r>
-            </a:p>
-            <a:p>
-              <a:endParaRPr lang="en-US" altLang="ko-KR" sz="1400" dirty="0" smtClean="0"/>
+              <a:endParaRPr lang="en-US" altLang="ko-KR" sz="1100" dirty="0" smtClean="0"/>
             </a:p>
           </p:txBody>
         </p:sp>
@@ -3512,15 +3463,15 @@
             <a:p>
               <a:pPr algn="ctr"/>
               <a:r>
-                <a:rPr lang="ko-KR" altLang="en-US" dirty="0" smtClean="0">
+                <a:rPr lang="ko-KR" altLang="en-US" sz="1400" dirty="0" smtClean="0">
                   <a:solidFill>
                     <a:sysClr val="windowText" lastClr="000000"/>
                   </a:solidFill>
                 </a:rPr>
-                <a:t>기타 시설 </a:t>
-              </a:r>
-              <a:r>
-                <a:rPr lang="en-US" altLang="ko-KR" dirty="0" smtClean="0">
+                <a:t>거주 시설 </a:t>
+              </a:r>
+              <a:r>
+                <a:rPr lang="en-US" altLang="ko-KR" sz="1400" dirty="0" smtClean="0">
                   <a:solidFill>
                     <a:sysClr val="windowText" lastClr="000000"/>
                   </a:solidFill>
@@ -3528,7 +3479,7 @@
                 <a:t>(</a:t>
               </a:r>
               <a:r>
-                <a:rPr lang="ko-KR" altLang="en-US" dirty="0" err="1" smtClean="0">
+                <a:rPr lang="ko-KR" altLang="en-US" sz="1400" dirty="0" err="1" smtClean="0">
                   <a:solidFill>
                     <a:sysClr val="windowText" lastClr="000000"/>
                   </a:solidFill>
@@ -3536,14 +3487,14 @@
                 <a:t>스케쥴</a:t>
               </a:r>
               <a:r>
-                <a:rPr lang="en-US" altLang="ko-KR" dirty="0" smtClean="0">
+                <a:rPr lang="en-US" altLang="ko-KR" sz="1400" dirty="0" smtClean="0">
                   <a:solidFill>
                     <a:sysClr val="windowText" lastClr="000000"/>
                   </a:solidFill>
                 </a:rPr>
                 <a:t>)</a:t>
               </a:r>
-              <a:endParaRPr lang="ko-KR" altLang="en-US" dirty="0">
+              <a:endParaRPr lang="ko-KR" altLang="en-US" sz="1400" dirty="0">
                 <a:solidFill>
                   <a:sysClr val="windowText" lastClr="000000"/>
                 </a:solidFill>
@@ -3554,21 +3505,512 @@
       </p:grpSp>
       <p:grpSp>
         <p:nvGrpSpPr>
-          <p:cNvPr id="18" name="그룹 17"/>
+          <p:cNvPr id="24" name="그룹 23"/>
           <p:cNvGrpSpPr/>
           <p:nvPr/>
         </p:nvGrpSpPr>
         <p:grpSpPr>
           <a:xfrm>
-            <a:off x="10649857" y="139700"/>
-            <a:ext cx="3556000" cy="1765300"/>
+            <a:off x="-2780790" y="1883210"/>
+            <a:ext cx="2603500" cy="1292452"/>
             <a:chOff x="673100" y="488950"/>
             <a:chExt cx="3556000" cy="1765300"/>
           </a:xfrm>
         </p:grpSpPr>
         <p:sp>
           <p:nvSpPr>
-            <p:cNvPr id="19" name="직사각형 18"/>
+            <p:cNvPr id="25" name="직사각형 24"/>
+            <p:cNvSpPr/>
+            <p:nvPr/>
+          </p:nvSpPr>
+          <p:spPr>
+            <a:xfrm>
+              <a:off x="673100" y="844550"/>
+              <a:ext cx="3556000" cy="1409700"/>
+            </a:xfrm>
+            <a:prstGeom prst="rect">
+              <a:avLst/>
+            </a:prstGeom>
+          </p:spPr>
+          <p:style>
+            <a:lnRef idx="1">
+              <a:schemeClr val="accent6"/>
+            </a:lnRef>
+            <a:fillRef idx="2">
+              <a:schemeClr val="accent6"/>
+            </a:fillRef>
+            <a:effectRef idx="1">
+              <a:schemeClr val="accent6"/>
+            </a:effectRef>
+            <a:fontRef idx="minor">
+              <a:schemeClr val="dk1"/>
+            </a:fontRef>
+          </p:style>
+          <p:txBody>
+            <a:bodyPr rtlCol="0" anchor="b"/>
+            <a:lstStyle/>
+            <a:p>
+              <a:r>
+                <a:rPr lang="ko-KR" altLang="en-US" sz="1100" dirty="0" smtClean="0"/>
+                <a:t>모든 시설들의 근간</a:t>
+              </a:r>
+              <a:r>
+                <a:rPr lang="en-US" altLang="ko-KR" sz="1100" dirty="0" smtClean="0"/>
+                <a:t>.</a:t>
+              </a:r>
+            </a:p>
+            <a:p>
+              <a:r>
+                <a:rPr lang="ko-KR" altLang="en-US" sz="1100" dirty="0" smtClean="0"/>
+                <a:t>연구소의 기술 연구 레벨을 바탕으로</a:t>
+              </a:r>
+              <a:endParaRPr lang="en-US" altLang="ko-KR" sz="1100" dirty="0" smtClean="0"/>
+            </a:p>
+            <a:p>
+              <a:r>
+                <a:rPr lang="ko-KR" altLang="en-US" sz="1100" dirty="0" smtClean="0"/>
+                <a:t>다른 시설도 만들 수 있게 된다</a:t>
+              </a:r>
+              <a:r>
+                <a:rPr lang="en-US" altLang="ko-KR" sz="1100" dirty="0" smtClean="0"/>
+                <a:t>.</a:t>
+              </a:r>
+            </a:p>
+            <a:p>
+              <a:endParaRPr lang="en-US" altLang="ko-KR" sz="1100" dirty="0" smtClean="0"/>
+            </a:p>
+          </p:txBody>
+        </p:sp>
+        <p:sp>
+          <p:nvSpPr>
+            <p:cNvPr id="26" name="모서리가 둥근 직사각형 25"/>
+            <p:cNvSpPr/>
+            <p:nvPr/>
+          </p:nvSpPr>
+          <p:spPr>
+            <a:xfrm>
+              <a:off x="673100" y="488950"/>
+              <a:ext cx="2298700" cy="711200"/>
+            </a:xfrm>
+            <a:prstGeom prst="roundRect">
+              <a:avLst/>
+            </a:prstGeom>
+          </p:spPr>
+          <p:style>
+            <a:lnRef idx="2">
+              <a:schemeClr val="accent6">
+                <a:shade val="50000"/>
+              </a:schemeClr>
+            </a:lnRef>
+            <a:fillRef idx="1">
+              <a:schemeClr val="accent6"/>
+            </a:fillRef>
+            <a:effectRef idx="0">
+              <a:schemeClr val="accent6"/>
+            </a:effectRef>
+            <a:fontRef idx="minor">
+              <a:schemeClr val="lt1"/>
+            </a:fontRef>
+          </p:style>
+          <p:txBody>
+            <a:bodyPr rtlCol="0" anchor="ctr"/>
+            <a:lstStyle/>
+            <a:p>
+              <a:pPr algn="ctr"/>
+              <a:r>
+                <a:rPr lang="ko-KR" altLang="en-US" sz="1400" dirty="0" smtClean="0">
+                  <a:solidFill>
+                    <a:sysClr val="windowText" lastClr="000000"/>
+                  </a:solidFill>
+                </a:rPr>
+                <a:t>공장 시설</a:t>
+              </a:r>
+              <a:endParaRPr lang="en-US" altLang="ko-KR" sz="1400" dirty="0" smtClean="0">
+                <a:solidFill>
+                  <a:sysClr val="windowText" lastClr="000000"/>
+                </a:solidFill>
+              </a:endParaRPr>
+            </a:p>
+            <a:p>
+              <a:pPr algn="ctr"/>
+              <a:r>
+                <a:rPr lang="en-US" altLang="ko-KR" sz="1400" dirty="0" smtClean="0">
+                  <a:solidFill>
+                    <a:sysClr val="windowText" lastClr="000000"/>
+                  </a:solidFill>
+                </a:rPr>
+                <a:t>(</a:t>
+              </a:r>
+              <a:r>
+                <a:rPr lang="ko-KR" altLang="en-US" sz="1400" dirty="0" smtClean="0">
+                  <a:solidFill>
+                    <a:sysClr val="windowText" lastClr="000000"/>
+                  </a:solidFill>
+                </a:rPr>
+                <a:t>제작 아이템 종류</a:t>
+              </a:r>
+              <a:r>
+                <a:rPr lang="en-US" altLang="ko-KR" sz="1400" dirty="0" smtClean="0">
+                  <a:solidFill>
+                    <a:sysClr val="windowText" lastClr="000000"/>
+                  </a:solidFill>
+                </a:rPr>
+                <a:t>)</a:t>
+              </a:r>
+              <a:endParaRPr lang="ko-KR" altLang="en-US" sz="1400" dirty="0">
+                <a:solidFill>
+                  <a:sysClr val="windowText" lastClr="000000"/>
+                </a:solidFill>
+              </a:endParaRPr>
+            </a:p>
+          </p:txBody>
+        </p:sp>
+      </p:grpSp>
+      <p:grpSp>
+        <p:nvGrpSpPr>
+          <p:cNvPr id="43" name="그룹 42"/>
+          <p:cNvGrpSpPr/>
+          <p:nvPr/>
+        </p:nvGrpSpPr>
+        <p:grpSpPr>
+          <a:xfrm>
+            <a:off x="-2780790" y="3590832"/>
+            <a:ext cx="2603500" cy="1292452"/>
+            <a:chOff x="673100" y="488950"/>
+            <a:chExt cx="3556000" cy="1765300"/>
+          </a:xfrm>
+        </p:grpSpPr>
+        <p:sp>
+          <p:nvSpPr>
+            <p:cNvPr id="44" name="직사각형 43"/>
+            <p:cNvSpPr/>
+            <p:nvPr/>
+          </p:nvSpPr>
+          <p:spPr>
+            <a:xfrm>
+              <a:off x="673100" y="844550"/>
+              <a:ext cx="3556000" cy="1409700"/>
+            </a:xfrm>
+            <a:prstGeom prst="rect">
+              <a:avLst/>
+            </a:prstGeom>
+            <a:solidFill>
+              <a:schemeClr val="accent1">
+                <a:lumMod val="40000"/>
+                <a:lumOff val="60000"/>
+              </a:schemeClr>
+            </a:solidFill>
+          </p:spPr>
+          <p:style>
+            <a:lnRef idx="1">
+              <a:schemeClr val="accent5"/>
+            </a:lnRef>
+            <a:fillRef idx="2">
+              <a:schemeClr val="accent5"/>
+            </a:fillRef>
+            <a:effectRef idx="1">
+              <a:schemeClr val="accent5"/>
+            </a:effectRef>
+            <a:fontRef idx="minor">
+              <a:schemeClr val="dk1"/>
+            </a:fontRef>
+          </p:style>
+          <p:txBody>
+            <a:bodyPr rtlCol="0" anchor="b"/>
+            <a:lstStyle/>
+            <a:p>
+              <a:r>
+                <a:rPr lang="ko-KR" altLang="en-US" sz="1100" dirty="0" smtClean="0"/>
+                <a:t>된다</a:t>
+              </a:r>
+              <a:r>
+                <a:rPr lang="en-US" altLang="ko-KR" sz="1100" dirty="0" smtClean="0"/>
+                <a:t>.</a:t>
+              </a:r>
+            </a:p>
+            <a:p>
+              <a:endParaRPr lang="en-US" altLang="ko-KR" sz="1100" dirty="0" smtClean="0"/>
+            </a:p>
+          </p:txBody>
+        </p:sp>
+        <p:sp>
+          <p:nvSpPr>
+            <p:cNvPr id="45" name="모서리가 둥근 직사각형 44"/>
+            <p:cNvSpPr/>
+            <p:nvPr/>
+          </p:nvSpPr>
+          <p:spPr>
+            <a:xfrm>
+              <a:off x="673100" y="488950"/>
+              <a:ext cx="2298700" cy="711200"/>
+            </a:xfrm>
+            <a:prstGeom prst="roundRect">
+              <a:avLst/>
+            </a:prstGeom>
+            <a:solidFill>
+              <a:schemeClr val="accent1">
+                <a:lumMod val="60000"/>
+                <a:lumOff val="40000"/>
+              </a:schemeClr>
+            </a:solidFill>
+            <a:ln>
+              <a:solidFill>
+                <a:schemeClr val="accent1">
+                  <a:lumMod val="75000"/>
+                </a:schemeClr>
+              </a:solidFill>
+            </a:ln>
+          </p:spPr>
+          <p:style>
+            <a:lnRef idx="2">
+              <a:schemeClr val="accent4">
+                <a:shade val="50000"/>
+              </a:schemeClr>
+            </a:lnRef>
+            <a:fillRef idx="1">
+              <a:schemeClr val="accent4"/>
+            </a:fillRef>
+            <a:effectRef idx="0">
+              <a:schemeClr val="accent4"/>
+            </a:effectRef>
+            <a:fontRef idx="minor">
+              <a:schemeClr val="lt1"/>
+            </a:fontRef>
+          </p:style>
+          <p:txBody>
+            <a:bodyPr rtlCol="0" anchor="ctr"/>
+            <a:lstStyle/>
+            <a:p>
+              <a:pPr algn="ctr"/>
+              <a:r>
+                <a:rPr lang="ko-KR" altLang="en-US" sz="1400" dirty="0" smtClean="0">
+                  <a:solidFill>
+                    <a:sysClr val="windowText" lastClr="000000"/>
+                  </a:solidFill>
+                </a:rPr>
+                <a:t>발전 시설</a:t>
+              </a:r>
+              <a:endParaRPr lang="en-US" altLang="ko-KR" sz="1400" dirty="0" smtClean="0">
+                <a:solidFill>
+                  <a:sysClr val="windowText" lastClr="000000"/>
+                </a:solidFill>
+              </a:endParaRPr>
+            </a:p>
+            <a:p>
+              <a:pPr algn="ctr"/>
+              <a:r>
+                <a:rPr lang="en-US" altLang="ko-KR" sz="1400" dirty="0" smtClean="0">
+                  <a:solidFill>
+                    <a:sysClr val="windowText" lastClr="000000"/>
+                  </a:solidFill>
+                </a:rPr>
+                <a:t>(</a:t>
+              </a:r>
+              <a:r>
+                <a:rPr lang="ko-KR" altLang="en-US" sz="1400" dirty="0" smtClean="0">
+                  <a:solidFill>
+                    <a:sysClr val="windowText" lastClr="000000"/>
+                  </a:solidFill>
+                </a:rPr>
+                <a:t>공장 운영 효율</a:t>
+              </a:r>
+              <a:r>
+                <a:rPr lang="en-US" altLang="ko-KR" sz="1400" dirty="0" smtClean="0">
+                  <a:solidFill>
+                    <a:sysClr val="windowText" lastClr="000000"/>
+                  </a:solidFill>
+                </a:rPr>
+                <a:t>)</a:t>
+              </a:r>
+              <a:endParaRPr lang="ko-KR" altLang="en-US" sz="1400" dirty="0">
+                <a:solidFill>
+                  <a:sysClr val="windowText" lastClr="000000"/>
+                </a:solidFill>
+              </a:endParaRPr>
+            </a:p>
+          </p:txBody>
+        </p:sp>
+      </p:grpSp>
+      <p:grpSp>
+        <p:nvGrpSpPr>
+          <p:cNvPr id="46" name="그룹 45"/>
+          <p:cNvGrpSpPr/>
+          <p:nvPr/>
+        </p:nvGrpSpPr>
+        <p:grpSpPr>
+          <a:xfrm>
+            <a:off x="-2780790" y="5298453"/>
+            <a:ext cx="2603500" cy="1292452"/>
+            <a:chOff x="673100" y="488950"/>
+            <a:chExt cx="3556000" cy="1765300"/>
+          </a:xfrm>
+        </p:grpSpPr>
+        <p:sp>
+          <p:nvSpPr>
+            <p:cNvPr id="47" name="직사각형 46"/>
+            <p:cNvSpPr/>
+            <p:nvPr/>
+          </p:nvSpPr>
+          <p:spPr>
+            <a:xfrm>
+              <a:off x="673100" y="844550"/>
+              <a:ext cx="3556000" cy="1409700"/>
+            </a:xfrm>
+            <a:prstGeom prst="rect">
+              <a:avLst/>
+            </a:prstGeom>
+          </p:spPr>
+          <p:style>
+            <a:lnRef idx="1">
+              <a:schemeClr val="accent3"/>
+            </a:lnRef>
+            <a:fillRef idx="2">
+              <a:schemeClr val="accent3"/>
+            </a:fillRef>
+            <a:effectRef idx="1">
+              <a:schemeClr val="accent3"/>
+            </a:effectRef>
+            <a:fontRef idx="minor">
+              <a:schemeClr val="dk1"/>
+            </a:fontRef>
+          </p:style>
+          <p:txBody>
+            <a:bodyPr rtlCol="0" anchor="b"/>
+            <a:lstStyle/>
+            <a:p>
+              <a:r>
+                <a:rPr lang="ko-KR" altLang="en-US" sz="1100" dirty="0" smtClean="0"/>
+                <a:t>모든 시설들의 근간</a:t>
+              </a:r>
+              <a:r>
+                <a:rPr lang="en-US" altLang="ko-KR" sz="1100" dirty="0" smtClean="0"/>
+                <a:t>.</a:t>
+              </a:r>
+            </a:p>
+            <a:p>
+              <a:r>
+                <a:rPr lang="ko-KR" altLang="en-US" sz="1100" dirty="0" smtClean="0"/>
+                <a:t>연구소의 기술 연구 레벨을 바탕으로</a:t>
+              </a:r>
+              <a:endParaRPr lang="en-US" altLang="ko-KR" sz="1100" dirty="0" smtClean="0"/>
+            </a:p>
+            <a:p>
+              <a:r>
+                <a:rPr lang="ko-KR" altLang="en-US" sz="1100" dirty="0" smtClean="0"/>
+                <a:t>다른 시설도 만들 수 있게 된다</a:t>
+              </a:r>
+              <a:r>
+                <a:rPr lang="en-US" altLang="ko-KR" sz="1100" dirty="0" smtClean="0"/>
+                <a:t>.</a:t>
+              </a:r>
+            </a:p>
+            <a:p>
+              <a:endParaRPr lang="en-US" altLang="ko-KR" sz="1100" dirty="0" smtClean="0"/>
+            </a:p>
+          </p:txBody>
+        </p:sp>
+        <p:sp>
+          <p:nvSpPr>
+            <p:cNvPr id="48" name="모서리가 둥근 직사각형 47"/>
+            <p:cNvSpPr/>
+            <p:nvPr/>
+          </p:nvSpPr>
+          <p:spPr>
+            <a:xfrm>
+              <a:off x="673100" y="488950"/>
+              <a:ext cx="2298700" cy="711200"/>
+            </a:xfrm>
+            <a:prstGeom prst="roundRect">
+              <a:avLst/>
+            </a:prstGeom>
+          </p:spPr>
+          <p:style>
+            <a:lnRef idx="2">
+              <a:schemeClr val="accent3">
+                <a:shade val="50000"/>
+              </a:schemeClr>
+            </a:lnRef>
+            <a:fillRef idx="1">
+              <a:schemeClr val="accent3"/>
+            </a:fillRef>
+            <a:effectRef idx="0">
+              <a:schemeClr val="accent3"/>
+            </a:effectRef>
+            <a:fontRef idx="minor">
+              <a:schemeClr val="lt1"/>
+            </a:fontRef>
+          </p:style>
+          <p:txBody>
+            <a:bodyPr rtlCol="0" anchor="ctr"/>
+            <a:lstStyle/>
+            <a:p>
+              <a:pPr algn="ctr"/>
+              <a:r>
+                <a:rPr lang="ko-KR" altLang="en-US" sz="1400" dirty="0" smtClean="0">
+                  <a:solidFill>
+                    <a:sysClr val="windowText" lastClr="000000"/>
+                  </a:solidFill>
+                </a:rPr>
+                <a:t>제작 시설</a:t>
+              </a:r>
+              <a:endParaRPr lang="en-US" altLang="ko-KR" sz="1400" dirty="0" smtClean="0">
+                <a:solidFill>
+                  <a:sysClr val="windowText" lastClr="000000"/>
+                </a:solidFill>
+              </a:endParaRPr>
+            </a:p>
+            <a:p>
+              <a:pPr algn="ctr"/>
+              <a:r>
+                <a:rPr lang="en-US" altLang="ko-KR" sz="1400" dirty="0" smtClean="0">
+                  <a:solidFill>
+                    <a:sysClr val="windowText" lastClr="000000"/>
+                  </a:solidFill>
+                </a:rPr>
+                <a:t>(</a:t>
+              </a:r>
+              <a:r>
+                <a:rPr lang="ko-KR" altLang="en-US" sz="1400" dirty="0" smtClean="0">
+                  <a:solidFill>
+                    <a:sysClr val="windowText" lastClr="000000"/>
+                  </a:solidFill>
+                </a:rPr>
+                <a:t>아이템 제작 효율</a:t>
+              </a:r>
+              <a:r>
+                <a:rPr lang="en-US" altLang="ko-KR" sz="1400" dirty="0" smtClean="0">
+                  <a:solidFill>
+                    <a:sysClr val="windowText" lastClr="000000"/>
+                  </a:solidFill>
+                </a:rPr>
+                <a:t>)</a:t>
+              </a:r>
+              <a:endParaRPr lang="ko-KR" altLang="en-US" sz="1400" dirty="0">
+                <a:solidFill>
+                  <a:sysClr val="windowText" lastClr="000000"/>
+                </a:solidFill>
+              </a:endParaRPr>
+            </a:p>
+          </p:txBody>
+        </p:sp>
+      </p:grpSp>
+      <p:grpSp>
+        <p:nvGrpSpPr>
+          <p:cNvPr id="49" name="그룹 48"/>
+          <p:cNvGrpSpPr/>
+          <p:nvPr/>
+        </p:nvGrpSpPr>
+        <p:grpSpPr>
+          <a:xfrm>
+            <a:off x="795962" y="2819080"/>
+            <a:ext cx="2603500" cy="1292452"/>
+            <a:chOff x="673100" y="488950"/>
+            <a:chExt cx="3556000" cy="1765300"/>
+          </a:xfrm>
+        </p:grpSpPr>
+        <p:sp>
+          <p:nvSpPr>
+            <p:cNvPr id="50" name="직사각형 49"/>
             <p:cNvSpPr/>
             <p:nvPr/>
           </p:nvSpPr>
@@ -3600,39 +4042,30 @@
             <a:lstStyle/>
             <a:p>
               <a:r>
-                <a:rPr lang="ko-KR" altLang="en-US" sz="1400" dirty="0" smtClean="0"/>
-                <a:t>모든 시설들의 근간</a:t>
-              </a:r>
-              <a:r>
-                <a:rPr lang="en-US" altLang="ko-KR" sz="1400" dirty="0" smtClean="0"/>
-                <a:t>.</a:t>
-              </a:r>
-            </a:p>
-            <a:p>
-              <a:r>
-                <a:rPr lang="ko-KR" altLang="en-US" sz="1400" dirty="0" smtClean="0"/>
-                <a:t>연구소의 기술 연구 레벨을 바탕으로</a:t>
-              </a:r>
-              <a:endParaRPr lang="en-US" altLang="ko-KR" sz="1400" dirty="0" smtClean="0"/>
-            </a:p>
-            <a:p>
-              <a:r>
-                <a:rPr lang="ko-KR" altLang="en-US" sz="1400" dirty="0" smtClean="0"/>
-                <a:t>다른 시설도 만들 수 있게 된다</a:t>
-              </a:r>
-              <a:r>
-                <a:rPr lang="en-US" altLang="ko-KR" sz="1400" dirty="0" smtClean="0"/>
-                <a:t>.</a:t>
-              </a:r>
-            </a:p>
-            <a:p>
-              <a:endParaRPr lang="en-US" altLang="ko-KR" sz="1400" dirty="0" smtClean="0"/>
+                <a:rPr lang="ko-KR" altLang="en-US" sz="1100" dirty="0" smtClean="0"/>
+                <a:t>연구 레벨 </a:t>
+              </a:r>
+              <a:r>
+                <a:rPr lang="en-US" altLang="ko-KR" sz="1100" dirty="0" smtClean="0"/>
+                <a:t>1 </a:t>
+              </a:r>
+              <a:r>
+                <a:rPr lang="ko-KR" altLang="en-US" sz="1100" dirty="0" smtClean="0"/>
+                <a:t>수준의 시설들 건설 가능</a:t>
+              </a:r>
+              <a:endParaRPr lang="en-US" altLang="ko-KR" sz="1100" dirty="0" smtClean="0"/>
+            </a:p>
+            <a:p>
+              <a:endParaRPr lang="en-US" altLang="ko-KR" sz="1100" dirty="0"/>
+            </a:p>
+            <a:p>
+              <a:endParaRPr lang="en-US" altLang="ko-KR" sz="1100" dirty="0" smtClean="0"/>
             </a:p>
           </p:txBody>
         </p:sp>
         <p:sp>
           <p:nvSpPr>
-            <p:cNvPr id="20" name="모서리가 둥근 직사각형 19"/>
+            <p:cNvPr id="51" name="모서리가 둥근 직사각형 50"/>
             <p:cNvSpPr/>
             <p:nvPr/>
           </p:nvSpPr>
@@ -3672,35 +4105,35 @@
             <a:p>
               <a:pPr algn="ctr"/>
               <a:r>
-                <a:rPr lang="ko-KR" altLang="en-US" dirty="0" smtClean="0"/>
+                <a:rPr lang="ko-KR" altLang="en-US" sz="1400" dirty="0" smtClean="0"/>
                 <a:t>연구소</a:t>
               </a:r>
               <a:r>
-                <a:rPr lang="en-US" altLang="ko-KR" dirty="0" smtClean="0"/>
-                <a:t>2</a:t>
-              </a:r>
-              <a:endParaRPr lang="ko-KR" altLang="en-US" dirty="0"/>
+                <a:rPr lang="en-US" altLang="ko-KR" sz="1400" dirty="0" smtClean="0"/>
+                <a:t>1</a:t>
+              </a:r>
+              <a:endParaRPr lang="ko-KR" altLang="en-US" sz="1400" dirty="0"/>
             </a:p>
           </p:txBody>
         </p:sp>
       </p:grpSp>
       <p:grpSp>
         <p:nvGrpSpPr>
-          <p:cNvPr id="21" name="그룹 20"/>
+          <p:cNvPr id="52" name="그룹 51"/>
           <p:cNvGrpSpPr/>
           <p:nvPr/>
         </p:nvGrpSpPr>
         <p:grpSpPr>
           <a:xfrm>
-            <a:off x="10649857" y="2199481"/>
-            <a:ext cx="3556000" cy="1679575"/>
+            <a:off x="795962" y="964794"/>
+            <a:ext cx="2603500" cy="1229689"/>
             <a:chOff x="673100" y="1968500"/>
             <a:chExt cx="3556000" cy="1679575"/>
           </a:xfrm>
         </p:grpSpPr>
         <p:sp>
           <p:nvSpPr>
-            <p:cNvPr id="22" name="직사각형 21"/>
+            <p:cNvPr id="53" name="직사각형 52"/>
             <p:cNvSpPr/>
             <p:nvPr/>
           </p:nvSpPr>
@@ -3712,22 +4145,18 @@
             <a:prstGeom prst="rect">
               <a:avLst/>
             </a:prstGeom>
-            <a:solidFill>
-              <a:schemeClr val="tx1">
-                <a:lumMod val="50000"/>
-                <a:lumOff val="50000"/>
-              </a:schemeClr>
-            </a:solidFill>
           </p:spPr>
           <p:style>
-            <a:lnRef idx="3">
-              <a:schemeClr val="lt1"/>
+            <a:lnRef idx="2">
+              <a:schemeClr val="accent3">
+                <a:shade val="50000"/>
+              </a:schemeClr>
             </a:lnRef>
             <a:fillRef idx="1">
-              <a:schemeClr val="accent6"/>
+              <a:schemeClr val="accent3"/>
             </a:fillRef>
-            <a:effectRef idx="1">
-              <a:schemeClr val="accent6"/>
+            <a:effectRef idx="0">
+              <a:schemeClr val="accent3"/>
             </a:effectRef>
             <a:fontRef idx="minor">
               <a:schemeClr val="lt1"/>
@@ -3738,39 +4167,29 @@
             <a:lstStyle/>
             <a:p>
               <a:r>
-                <a:rPr lang="ko-KR" altLang="en-US" sz="1400" dirty="0" smtClean="0"/>
-                <a:t>모든 시설들의 근간</a:t>
-              </a:r>
-              <a:r>
-                <a:rPr lang="en-US" altLang="ko-KR" sz="1400" dirty="0" smtClean="0"/>
+                <a:rPr lang="ko-KR" altLang="en-US" sz="1100" dirty="0" err="1" smtClean="0"/>
+                <a:t>크레딧을</a:t>
+              </a:r>
+              <a:r>
+                <a:rPr lang="ko-KR" altLang="en-US" sz="1100" dirty="0" smtClean="0"/>
+                <a:t> 버는 시설</a:t>
+              </a:r>
+              <a:r>
+                <a:rPr lang="en-US" altLang="ko-KR" sz="1100" dirty="0" smtClean="0"/>
                 <a:t>.</a:t>
               </a:r>
             </a:p>
             <a:p>
-              <a:r>
-                <a:rPr lang="ko-KR" altLang="en-US" sz="1400" dirty="0" smtClean="0"/>
-                <a:t>연구소의 기술 연구 레벨을 바탕으로</a:t>
-              </a:r>
-              <a:endParaRPr lang="en-US" altLang="ko-KR" sz="1400" dirty="0" smtClean="0"/>
-            </a:p>
-            <a:p>
-              <a:r>
-                <a:rPr lang="ko-KR" altLang="en-US" sz="1400" dirty="0" smtClean="0"/>
-                <a:t>다른 시설도 만들 수 있게 된다</a:t>
-              </a:r>
-              <a:r>
-                <a:rPr lang="en-US" altLang="ko-KR" sz="1400" dirty="0" smtClean="0"/>
-                <a:t>.</a:t>
-              </a:r>
-            </a:p>
-            <a:p>
-              <a:endParaRPr lang="en-US" altLang="ko-KR" sz="1400" dirty="0" smtClean="0"/>
+              <a:endParaRPr lang="en-US" altLang="ko-KR" sz="1100" dirty="0" smtClean="0"/>
+            </a:p>
+            <a:p>
+              <a:endParaRPr lang="en-US" altLang="ko-KR" sz="1100" dirty="0" smtClean="0"/>
             </a:p>
           </p:txBody>
         </p:sp>
         <p:sp>
           <p:nvSpPr>
-            <p:cNvPr id="23" name="모서리가 둥근 직사각형 22"/>
+            <p:cNvPr id="54" name="모서리가 둥근 직사각형 53"/>
             <p:cNvSpPr/>
             <p:nvPr/>
           </p:nvSpPr>
@@ -3782,23 +4201,18 @@
             <a:prstGeom prst="roundRect">
               <a:avLst/>
             </a:prstGeom>
-            <a:solidFill>
-              <a:schemeClr val="tx2">
-                <a:lumMod val="75000"/>
-              </a:schemeClr>
-            </a:solidFill>
           </p:spPr>
           <p:style>
             <a:lnRef idx="2">
-              <a:schemeClr val="accent6">
+              <a:schemeClr val="accent3">
                 <a:shade val="50000"/>
               </a:schemeClr>
             </a:lnRef>
             <a:fillRef idx="1">
-              <a:schemeClr val="accent6"/>
+              <a:schemeClr val="accent3"/>
             </a:fillRef>
             <a:effectRef idx="0">
-              <a:schemeClr val="accent6"/>
+              <a:schemeClr val="accent3"/>
             </a:effectRef>
             <a:fontRef idx="minor">
               <a:schemeClr val="lt1"/>
@@ -3810,35 +4224,259 @@
             <a:p>
               <a:pPr algn="ctr"/>
               <a:r>
-                <a:rPr lang="ko-KR" altLang="en-US" dirty="0" smtClean="0"/>
+                <a:rPr lang="ko-KR" altLang="en-US" sz="1400" b="1" dirty="0" smtClean="0"/>
                 <a:t>광산</a:t>
               </a:r>
               <a:r>
-                <a:rPr lang="en-US" altLang="ko-KR" dirty="0" smtClean="0"/>
-                <a:t>2</a:t>
-              </a:r>
-              <a:endParaRPr lang="ko-KR" altLang="en-US" dirty="0"/>
+                <a:rPr lang="en-US" altLang="ko-KR" sz="1400" b="1" dirty="0" smtClean="0"/>
+                <a:t>1</a:t>
+              </a:r>
+              <a:endParaRPr lang="ko-KR" altLang="en-US" sz="1400" b="1" dirty="0"/>
             </a:p>
           </p:txBody>
         </p:sp>
       </p:grpSp>
       <p:grpSp>
         <p:nvGrpSpPr>
-          <p:cNvPr id="24" name="그룹 23"/>
+          <p:cNvPr id="55" name="그룹 54"/>
           <p:cNvGrpSpPr/>
           <p:nvPr/>
         </p:nvGrpSpPr>
         <p:grpSpPr>
           <a:xfrm>
-            <a:off x="5333093" y="8286750"/>
-            <a:ext cx="3556000" cy="1765300"/>
+            <a:off x="795962" y="4736129"/>
+            <a:ext cx="2603500" cy="1287802"/>
+            <a:chOff x="673100" y="3917950"/>
+            <a:chExt cx="3556000" cy="1758950"/>
+          </a:xfrm>
+        </p:grpSpPr>
+        <p:sp>
+          <p:nvSpPr>
+            <p:cNvPr id="56" name="직사각형 55"/>
+            <p:cNvSpPr/>
+            <p:nvPr/>
+          </p:nvSpPr>
+          <p:spPr>
+            <a:xfrm>
+              <a:off x="673100" y="4267200"/>
+              <a:ext cx="3556000" cy="1409700"/>
+            </a:xfrm>
+            <a:prstGeom prst="rect">
+              <a:avLst/>
+            </a:prstGeom>
+          </p:spPr>
+          <p:style>
+            <a:lnRef idx="1">
+              <a:schemeClr val="accent2"/>
+            </a:lnRef>
+            <a:fillRef idx="2">
+              <a:schemeClr val="accent2"/>
+            </a:fillRef>
+            <a:effectRef idx="1">
+              <a:schemeClr val="accent2"/>
+            </a:effectRef>
+            <a:fontRef idx="minor">
+              <a:schemeClr val="dk1"/>
+            </a:fontRef>
+          </p:style>
+          <p:txBody>
+            <a:bodyPr rtlCol="0" anchor="b"/>
+            <a:lstStyle/>
+            <a:p>
+              <a:r>
+                <a:rPr lang="ko-KR" altLang="en-US" sz="1100" dirty="0" smtClean="0"/>
+                <a:t>된다</a:t>
+              </a:r>
+              <a:r>
+                <a:rPr lang="en-US" altLang="ko-KR" sz="1100" dirty="0" smtClean="0"/>
+                <a:t>.</a:t>
+              </a:r>
+            </a:p>
+            <a:p>
+              <a:endParaRPr lang="en-US" altLang="ko-KR" sz="1100" dirty="0" smtClean="0"/>
+            </a:p>
+          </p:txBody>
+        </p:sp>
+        <p:sp>
+          <p:nvSpPr>
+            <p:cNvPr id="57" name="모서리가 둥근 직사각형 56"/>
+            <p:cNvSpPr/>
+            <p:nvPr/>
+          </p:nvSpPr>
+          <p:spPr>
+            <a:xfrm>
+              <a:off x="673100" y="3917950"/>
+              <a:ext cx="2298700" cy="711200"/>
+            </a:xfrm>
+            <a:prstGeom prst="roundRect">
+              <a:avLst/>
+            </a:prstGeom>
+          </p:spPr>
+          <p:style>
+            <a:lnRef idx="2">
+              <a:schemeClr val="accent2">
+                <a:shade val="50000"/>
+              </a:schemeClr>
+            </a:lnRef>
+            <a:fillRef idx="1">
+              <a:schemeClr val="accent2"/>
+            </a:fillRef>
+            <a:effectRef idx="0">
+              <a:schemeClr val="accent2"/>
+            </a:effectRef>
+            <a:fontRef idx="minor">
+              <a:schemeClr val="lt1"/>
+            </a:fontRef>
+          </p:style>
+          <p:txBody>
+            <a:bodyPr rtlCol="0" anchor="ctr"/>
+            <a:lstStyle/>
+            <a:p>
+              <a:pPr algn="ctr"/>
+              <a:r>
+                <a:rPr lang="ko-KR" altLang="en-US" sz="1400" dirty="0" smtClean="0"/>
+                <a:t>장벽</a:t>
+              </a:r>
+              <a:r>
+                <a:rPr lang="en-US" altLang="ko-KR" sz="1400" dirty="0" smtClean="0"/>
+                <a:t>1</a:t>
+              </a:r>
+              <a:endParaRPr lang="ko-KR" altLang="en-US" sz="1400" dirty="0"/>
+            </a:p>
+          </p:txBody>
+        </p:sp>
+      </p:grpSp>
+      <p:grpSp>
+        <p:nvGrpSpPr>
+          <p:cNvPr id="58" name="그룹 57"/>
+          <p:cNvGrpSpPr/>
+          <p:nvPr/>
+        </p:nvGrpSpPr>
+        <p:grpSpPr>
+          <a:xfrm>
+            <a:off x="3844982" y="1883210"/>
+            <a:ext cx="2603500" cy="1292452"/>
             <a:chOff x="673100" y="488950"/>
             <a:chExt cx="3556000" cy="1765300"/>
           </a:xfrm>
         </p:grpSpPr>
         <p:sp>
           <p:nvSpPr>
-            <p:cNvPr id="25" name="직사각형 24"/>
+            <p:cNvPr id="59" name="직사각형 58"/>
+            <p:cNvSpPr/>
+            <p:nvPr/>
+          </p:nvSpPr>
+          <p:spPr>
+            <a:xfrm>
+              <a:off x="673100" y="844550"/>
+              <a:ext cx="3556000" cy="1409700"/>
+            </a:xfrm>
+            <a:prstGeom prst="rect">
+              <a:avLst/>
+            </a:prstGeom>
+          </p:spPr>
+          <p:style>
+            <a:lnRef idx="1">
+              <a:schemeClr val="accent4"/>
+            </a:lnRef>
+            <a:fillRef idx="2">
+              <a:schemeClr val="accent4"/>
+            </a:fillRef>
+            <a:effectRef idx="1">
+              <a:schemeClr val="accent4"/>
+            </a:effectRef>
+            <a:fontRef idx="minor">
+              <a:schemeClr val="dk1"/>
+            </a:fontRef>
+          </p:style>
+          <p:txBody>
+            <a:bodyPr rtlCol="0" anchor="b"/>
+            <a:lstStyle/>
+            <a:p>
+              <a:r>
+                <a:rPr lang="ko-KR" altLang="en-US" sz="1100" dirty="0" smtClean="0"/>
+                <a:t>된다</a:t>
+              </a:r>
+              <a:r>
+                <a:rPr lang="en-US" altLang="ko-KR" sz="1100" dirty="0" smtClean="0"/>
+                <a:t>.</a:t>
+              </a:r>
+            </a:p>
+            <a:p>
+              <a:endParaRPr lang="en-US" altLang="ko-KR" sz="1100" dirty="0" smtClean="0"/>
+            </a:p>
+          </p:txBody>
+        </p:sp>
+        <p:sp>
+          <p:nvSpPr>
+            <p:cNvPr id="60" name="모서리가 둥근 직사각형 59"/>
+            <p:cNvSpPr/>
+            <p:nvPr/>
+          </p:nvSpPr>
+          <p:spPr>
+            <a:xfrm>
+              <a:off x="673100" y="488950"/>
+              <a:ext cx="2298700" cy="711200"/>
+            </a:xfrm>
+            <a:prstGeom prst="roundRect">
+              <a:avLst/>
+            </a:prstGeom>
+          </p:spPr>
+          <p:style>
+            <a:lnRef idx="2">
+              <a:schemeClr val="accent4">
+                <a:shade val="50000"/>
+              </a:schemeClr>
+            </a:lnRef>
+            <a:fillRef idx="1">
+              <a:schemeClr val="accent4"/>
+            </a:fillRef>
+            <a:effectRef idx="0">
+              <a:schemeClr val="accent4"/>
+            </a:effectRef>
+            <a:fontRef idx="minor">
+              <a:schemeClr val="lt1"/>
+            </a:fontRef>
+          </p:style>
+          <p:txBody>
+            <a:bodyPr rtlCol="0" anchor="ctr"/>
+            <a:lstStyle/>
+            <a:p>
+              <a:pPr algn="ctr"/>
+              <a:r>
+                <a:rPr lang="ko-KR" altLang="en-US" sz="1400" dirty="0" smtClean="0">
+                  <a:solidFill>
+                    <a:sysClr val="windowText" lastClr="000000"/>
+                  </a:solidFill>
+                </a:rPr>
+                <a:t>거주지</a:t>
+              </a:r>
+              <a:endParaRPr lang="ko-KR" altLang="en-US" sz="1400" dirty="0">
+                <a:solidFill>
+                  <a:sysClr val="windowText" lastClr="000000"/>
+                </a:solidFill>
+              </a:endParaRPr>
+            </a:p>
+          </p:txBody>
+        </p:sp>
+      </p:grpSp>
+      <p:grpSp>
+        <p:nvGrpSpPr>
+          <p:cNvPr id="61" name="그룹 60"/>
+          <p:cNvGrpSpPr/>
+          <p:nvPr/>
+        </p:nvGrpSpPr>
+        <p:grpSpPr>
+          <a:xfrm>
+            <a:off x="6894002" y="3800259"/>
+            <a:ext cx="2603500" cy="1292452"/>
+            <a:chOff x="673100" y="488950"/>
+            <a:chExt cx="3556000" cy="1765300"/>
+          </a:xfrm>
+        </p:grpSpPr>
+        <p:sp>
+          <p:nvSpPr>
+            <p:cNvPr id="62" name="직사각형 61"/>
             <p:cNvSpPr/>
             <p:nvPr/>
           </p:nvSpPr>
@@ -3870,39 +4508,25 @@
             <a:lstStyle/>
             <a:p>
               <a:r>
-                <a:rPr lang="ko-KR" altLang="en-US" sz="1400" dirty="0" smtClean="0"/>
-                <a:t>모든 시설들의 근간</a:t>
-              </a:r>
-              <a:r>
-                <a:rPr lang="en-US" altLang="ko-KR" sz="1400" dirty="0" smtClean="0"/>
+                <a:rPr lang="ko-KR" altLang="en-US" sz="1100" dirty="0" smtClean="0"/>
+                <a:t>내구도 수리가 가능해진다</a:t>
+              </a:r>
+              <a:r>
+                <a:rPr lang="en-US" altLang="ko-KR" sz="1100" dirty="0" smtClean="0"/>
                 <a:t>.</a:t>
               </a:r>
             </a:p>
             <a:p>
-              <a:r>
-                <a:rPr lang="ko-KR" altLang="en-US" sz="1400" dirty="0" smtClean="0"/>
-                <a:t>연구소의 기술 연구 레벨을 바탕으로</a:t>
-              </a:r>
-              <a:endParaRPr lang="en-US" altLang="ko-KR" sz="1400" dirty="0" smtClean="0"/>
-            </a:p>
-            <a:p>
-              <a:r>
-                <a:rPr lang="ko-KR" altLang="en-US" sz="1400" dirty="0" smtClean="0"/>
-                <a:t>다른 시설도 만들 수 있게 된다</a:t>
-              </a:r>
-              <a:r>
-                <a:rPr lang="en-US" altLang="ko-KR" sz="1400" dirty="0" smtClean="0"/>
-                <a:t>.</a:t>
-              </a:r>
-            </a:p>
-            <a:p>
-              <a:endParaRPr lang="en-US" altLang="ko-KR" sz="1400" dirty="0" smtClean="0"/>
+              <a:endParaRPr lang="en-US" altLang="ko-KR" sz="1100" dirty="0"/>
+            </a:p>
+            <a:p>
+              <a:endParaRPr lang="en-US" altLang="ko-KR" sz="1100" dirty="0" smtClean="0"/>
             </a:p>
           </p:txBody>
         </p:sp>
         <p:sp>
           <p:nvSpPr>
-            <p:cNvPr id="26" name="모서리가 둥근 직사각형 25"/>
+            <p:cNvPr id="63" name="모서리가 둥근 직사각형 62"/>
             <p:cNvSpPr/>
             <p:nvPr/>
           </p:nvSpPr>
@@ -3937,14 +4561,22 @@
             <a:p>
               <a:pPr algn="ctr"/>
               <a:r>
-                <a:rPr lang="ko-KR" altLang="en-US" dirty="0" smtClean="0">
+                <a:rPr lang="ko-KR" altLang="en-US" sz="1400" dirty="0" err="1" smtClean="0">
                   <a:solidFill>
                     <a:sysClr val="windowText" lastClr="000000"/>
                   </a:solidFill>
                 </a:rPr>
-                <a:t>기타 시설</a:t>
-              </a:r>
-              <a:endParaRPr lang="ko-KR" altLang="en-US" dirty="0">
+                <a:t>안드로이드</a:t>
+              </a:r>
+              <a:r>
+                <a:rPr lang="ko-KR" altLang="en-US" sz="1400" dirty="0" smtClean="0">
+                  <a:solidFill>
+                    <a:sysClr val="windowText" lastClr="000000"/>
+                  </a:solidFill>
+                </a:rPr>
+                <a:t> 공장</a:t>
+              </a:r>
+              <a:endParaRPr lang="ko-KR" altLang="en-US" sz="1400" dirty="0">
                 <a:solidFill>
                   <a:sysClr val="windowText" lastClr="000000"/>
                 </a:solidFill>
@@ -3955,21 +4587,285 @@
       </p:grpSp>
       <p:grpSp>
         <p:nvGrpSpPr>
-          <p:cNvPr id="27" name="그룹 26"/>
+          <p:cNvPr id="64" name="그룹 63"/>
           <p:cNvGrpSpPr/>
           <p:nvPr/>
         </p:nvGrpSpPr>
         <p:grpSpPr>
           <a:xfrm>
-            <a:off x="-3986893" y="6226968"/>
-            <a:ext cx="3556000" cy="1765300"/>
+            <a:off x="3844982" y="3800259"/>
+            <a:ext cx="2603500" cy="1292452"/>
             <a:chOff x="673100" y="488950"/>
             <a:chExt cx="3556000" cy="1765300"/>
           </a:xfrm>
         </p:grpSpPr>
         <p:sp>
           <p:nvSpPr>
-            <p:cNvPr id="28" name="직사각형 27"/>
+            <p:cNvPr id="65" name="직사각형 64"/>
+            <p:cNvSpPr/>
+            <p:nvPr/>
+          </p:nvSpPr>
+          <p:spPr>
+            <a:xfrm>
+              <a:off x="673100" y="844550"/>
+              <a:ext cx="3556000" cy="1409700"/>
+            </a:xfrm>
+            <a:prstGeom prst="rect">
+              <a:avLst/>
+            </a:prstGeom>
+            <a:solidFill>
+              <a:schemeClr val="accent1">
+                <a:lumMod val="40000"/>
+                <a:lumOff val="60000"/>
+              </a:schemeClr>
+            </a:solidFill>
+          </p:spPr>
+          <p:style>
+            <a:lnRef idx="1">
+              <a:schemeClr val="accent5"/>
+            </a:lnRef>
+            <a:fillRef idx="2">
+              <a:schemeClr val="accent5"/>
+            </a:fillRef>
+            <a:effectRef idx="1">
+              <a:schemeClr val="accent5"/>
+            </a:effectRef>
+            <a:fontRef idx="minor">
+              <a:schemeClr val="dk1"/>
+            </a:fontRef>
+          </p:style>
+          <p:txBody>
+            <a:bodyPr rtlCol="0" anchor="b"/>
+            <a:lstStyle/>
+            <a:p>
+              <a:r>
+                <a:rPr lang="ko-KR" altLang="en-US" sz="1100" dirty="0" smtClean="0"/>
+                <a:t>된다</a:t>
+              </a:r>
+              <a:r>
+                <a:rPr lang="en-US" altLang="ko-KR" sz="1100" dirty="0" smtClean="0"/>
+                <a:t>.</a:t>
+              </a:r>
+            </a:p>
+            <a:p>
+              <a:endParaRPr lang="en-US" altLang="ko-KR" sz="1100" dirty="0" smtClean="0"/>
+            </a:p>
+          </p:txBody>
+        </p:sp>
+        <p:sp>
+          <p:nvSpPr>
+            <p:cNvPr id="66" name="모서리가 둥근 직사각형 65"/>
+            <p:cNvSpPr/>
+            <p:nvPr/>
+          </p:nvSpPr>
+          <p:spPr>
+            <a:xfrm>
+              <a:off x="673100" y="488950"/>
+              <a:ext cx="2298700" cy="711200"/>
+            </a:xfrm>
+            <a:prstGeom prst="roundRect">
+              <a:avLst/>
+            </a:prstGeom>
+            <a:solidFill>
+              <a:schemeClr val="accent1">
+                <a:lumMod val="60000"/>
+                <a:lumOff val="40000"/>
+              </a:schemeClr>
+            </a:solidFill>
+            <a:ln>
+              <a:solidFill>
+                <a:schemeClr val="accent1">
+                  <a:lumMod val="75000"/>
+                </a:schemeClr>
+              </a:solidFill>
+            </a:ln>
+          </p:spPr>
+          <p:style>
+            <a:lnRef idx="2">
+              <a:schemeClr val="accent4">
+                <a:shade val="50000"/>
+              </a:schemeClr>
+            </a:lnRef>
+            <a:fillRef idx="1">
+              <a:schemeClr val="accent4"/>
+            </a:fillRef>
+            <a:effectRef idx="0">
+              <a:schemeClr val="accent4"/>
+            </a:effectRef>
+            <a:fontRef idx="minor">
+              <a:schemeClr val="lt1"/>
+            </a:fontRef>
+          </p:style>
+          <p:txBody>
+            <a:bodyPr rtlCol="0" anchor="ctr"/>
+            <a:lstStyle/>
+            <a:p>
+              <a:pPr algn="ctr"/>
+              <a:r>
+                <a:rPr lang="ko-KR" altLang="en-US" sz="1400" dirty="0" smtClean="0">
+                  <a:solidFill>
+                    <a:sysClr val="windowText" lastClr="000000"/>
+                  </a:solidFill>
+                </a:rPr>
+                <a:t>화력 발전소</a:t>
+              </a:r>
+              <a:endParaRPr lang="ko-KR" altLang="en-US" sz="1400" dirty="0">
+                <a:solidFill>
+                  <a:sysClr val="windowText" lastClr="000000"/>
+                </a:solidFill>
+              </a:endParaRPr>
+            </a:p>
+          </p:txBody>
+        </p:sp>
+      </p:grpSp>
+      <p:grpSp>
+        <p:nvGrpSpPr>
+          <p:cNvPr id="67" name="그룹 66"/>
+          <p:cNvGrpSpPr/>
+          <p:nvPr/>
+        </p:nvGrpSpPr>
+        <p:grpSpPr>
+          <a:xfrm>
+            <a:off x="9943022" y="3804494"/>
+            <a:ext cx="2603500" cy="1292452"/>
+            <a:chOff x="673100" y="488950"/>
+            <a:chExt cx="3556000" cy="1765300"/>
+          </a:xfrm>
+        </p:grpSpPr>
+        <p:sp>
+          <p:nvSpPr>
+            <p:cNvPr id="68" name="직사각형 67"/>
+            <p:cNvSpPr/>
+            <p:nvPr/>
+          </p:nvSpPr>
+          <p:spPr>
+            <a:xfrm>
+              <a:off x="673100" y="844550"/>
+              <a:ext cx="3556000" cy="1409700"/>
+            </a:xfrm>
+            <a:prstGeom prst="rect">
+              <a:avLst/>
+            </a:prstGeom>
+          </p:spPr>
+          <p:style>
+            <a:lnRef idx="1">
+              <a:schemeClr val="accent3"/>
+            </a:lnRef>
+            <a:fillRef idx="2">
+              <a:schemeClr val="accent3"/>
+            </a:fillRef>
+            <a:effectRef idx="1">
+              <a:schemeClr val="accent3"/>
+            </a:effectRef>
+            <a:fontRef idx="minor">
+              <a:schemeClr val="dk1"/>
+            </a:fontRef>
+          </p:style>
+          <p:txBody>
+            <a:bodyPr rtlCol="0" anchor="b"/>
+            <a:lstStyle/>
+            <a:p>
+              <a:r>
+                <a:rPr lang="ko-KR" altLang="en-US" sz="1100" dirty="0" smtClean="0"/>
+                <a:t>모든 시설들의 근간</a:t>
+              </a:r>
+              <a:r>
+                <a:rPr lang="en-US" altLang="ko-KR" sz="1100" dirty="0" smtClean="0"/>
+                <a:t>.</a:t>
+              </a:r>
+            </a:p>
+            <a:p>
+              <a:r>
+                <a:rPr lang="ko-KR" altLang="en-US" sz="1100" dirty="0" smtClean="0"/>
+                <a:t>연구소의 기술 연구 레벨을 바탕으로</a:t>
+              </a:r>
+              <a:endParaRPr lang="en-US" altLang="ko-KR" sz="1100" dirty="0" smtClean="0"/>
+            </a:p>
+            <a:p>
+              <a:r>
+                <a:rPr lang="ko-KR" altLang="en-US" sz="1100" dirty="0" smtClean="0"/>
+                <a:t>다른 시설도 만들 수 있게 된다</a:t>
+              </a:r>
+              <a:r>
+                <a:rPr lang="en-US" altLang="ko-KR" sz="1100" dirty="0" smtClean="0"/>
+                <a:t>.</a:t>
+              </a:r>
+            </a:p>
+            <a:p>
+              <a:endParaRPr lang="en-US" altLang="ko-KR" sz="1100" dirty="0" smtClean="0"/>
+            </a:p>
+          </p:txBody>
+        </p:sp>
+        <p:sp>
+          <p:nvSpPr>
+            <p:cNvPr id="69" name="모서리가 둥근 직사각형 68"/>
+            <p:cNvSpPr/>
+            <p:nvPr/>
+          </p:nvSpPr>
+          <p:spPr>
+            <a:xfrm>
+              <a:off x="673100" y="488950"/>
+              <a:ext cx="2298700" cy="711200"/>
+            </a:xfrm>
+            <a:prstGeom prst="roundRect">
+              <a:avLst/>
+            </a:prstGeom>
+          </p:spPr>
+          <p:style>
+            <a:lnRef idx="2">
+              <a:schemeClr val="accent3">
+                <a:shade val="50000"/>
+              </a:schemeClr>
+            </a:lnRef>
+            <a:fillRef idx="1">
+              <a:schemeClr val="accent3"/>
+            </a:fillRef>
+            <a:effectRef idx="0">
+              <a:schemeClr val="accent3"/>
+            </a:effectRef>
+            <a:fontRef idx="minor">
+              <a:schemeClr val="lt1"/>
+            </a:fontRef>
+          </p:style>
+          <p:txBody>
+            <a:bodyPr rtlCol="0" anchor="ctr"/>
+            <a:lstStyle/>
+            <a:p>
+              <a:pPr algn="ctr"/>
+              <a:r>
+                <a:rPr lang="ko-KR" altLang="en-US" sz="1400" dirty="0" smtClean="0">
+                  <a:solidFill>
+                    <a:sysClr val="windowText" lastClr="000000"/>
+                  </a:solidFill>
+                </a:rPr>
+                <a:t>아이템 제작소</a:t>
+              </a:r>
+              <a:endParaRPr lang="ko-KR" altLang="en-US" sz="1400" dirty="0">
+                <a:solidFill>
+                  <a:sysClr val="windowText" lastClr="000000"/>
+                </a:solidFill>
+              </a:endParaRPr>
+            </a:p>
+          </p:txBody>
+        </p:sp>
+      </p:grpSp>
+      <p:grpSp>
+        <p:nvGrpSpPr>
+          <p:cNvPr id="70" name="그룹 69"/>
+          <p:cNvGrpSpPr/>
+          <p:nvPr/>
+        </p:nvGrpSpPr>
+        <p:grpSpPr>
+          <a:xfrm>
+            <a:off x="6894002" y="1883210"/>
+            <a:ext cx="2603500" cy="1292452"/>
+            <a:chOff x="673100" y="488950"/>
+            <a:chExt cx="3556000" cy="1765300"/>
+          </a:xfrm>
+        </p:grpSpPr>
+        <p:sp>
+          <p:nvSpPr>
+            <p:cNvPr id="71" name="직사각형 70"/>
             <p:cNvSpPr/>
             <p:nvPr/>
           </p:nvSpPr>
@@ -4001,64 +4897,22 @@
             <a:lstStyle/>
             <a:p>
               <a:r>
-                <a:rPr lang="ko-KR" altLang="en-US" sz="1400" dirty="0" err="1" smtClean="0"/>
-                <a:t>안드로시아</a:t>
-              </a:r>
-              <a:r>
-                <a:rPr lang="ko-KR" altLang="en-US" sz="1400" dirty="0" smtClean="0"/>
-                <a:t> </a:t>
-              </a:r>
-              <a:r>
-                <a:rPr lang="ko-KR" altLang="en-US" sz="1400" dirty="0" err="1" smtClean="0"/>
-                <a:t>스케쥴과</a:t>
-              </a:r>
-              <a:r>
-                <a:rPr lang="ko-KR" altLang="en-US" sz="1400" dirty="0" smtClean="0"/>
-                <a:t> 관련된 시설들</a:t>
-              </a:r>
-              <a:endParaRPr lang="en-US" altLang="ko-KR" sz="1400" dirty="0" smtClean="0"/>
-            </a:p>
-            <a:p>
-              <a:r>
-                <a:rPr lang="ko-KR" altLang="en-US" sz="1400" dirty="0" smtClean="0"/>
-                <a:t>새로운 </a:t>
-              </a:r>
-              <a:r>
-                <a:rPr lang="ko-KR" altLang="en-US" sz="1400" dirty="0" err="1" smtClean="0"/>
-                <a:t>스케쥴을</a:t>
-              </a:r>
-              <a:r>
-                <a:rPr lang="ko-KR" altLang="en-US" sz="1400" dirty="0" smtClean="0"/>
-                <a:t> 해금하거나</a:t>
-              </a:r>
-              <a:endParaRPr lang="en-US" altLang="ko-KR" sz="1400" dirty="0"/>
-            </a:p>
-            <a:p>
-              <a:r>
-                <a:rPr lang="ko-KR" altLang="en-US" sz="1400" dirty="0" smtClean="0"/>
-                <a:t>기존 </a:t>
-              </a:r>
-              <a:r>
-                <a:rPr lang="ko-KR" altLang="en-US" sz="1400" dirty="0" err="1" smtClean="0"/>
-                <a:t>스케쥴의</a:t>
-              </a:r>
-              <a:r>
-                <a:rPr lang="ko-KR" altLang="en-US" sz="1400" dirty="0" smtClean="0"/>
-                <a:t> 효율이 좋아진다</a:t>
-              </a:r>
-              <a:r>
-                <a:rPr lang="en-US" altLang="ko-KR" sz="1400" dirty="0" smtClean="0"/>
+                <a:rPr lang="ko-KR" altLang="en-US" sz="1100" dirty="0" smtClean="0"/>
+                <a:t>된다</a:t>
+              </a:r>
+              <a:r>
+                <a:rPr lang="en-US" altLang="ko-KR" sz="1100" dirty="0" smtClean="0"/>
                 <a:t>.</a:t>
               </a:r>
             </a:p>
             <a:p>
-              <a:endParaRPr lang="en-US" altLang="ko-KR" sz="1400" dirty="0" smtClean="0"/>
+              <a:endParaRPr lang="en-US" altLang="ko-KR" sz="1100" dirty="0" smtClean="0"/>
             </a:p>
           </p:txBody>
         </p:sp>
         <p:sp>
           <p:nvSpPr>
-            <p:cNvPr id="29" name="모서리가 둥근 직사각형 28"/>
+            <p:cNvPr id="72" name="모서리가 둥근 직사각형 71"/>
             <p:cNvSpPr/>
             <p:nvPr/>
           </p:nvSpPr>
@@ -4093,38 +4947,14 @@
             <a:p>
               <a:pPr algn="ctr"/>
               <a:r>
-                <a:rPr lang="ko-KR" altLang="en-US" dirty="0" smtClean="0">
+                <a:rPr lang="ko-KR" altLang="en-US" sz="1400" dirty="0" smtClean="0">
                   <a:solidFill>
                     <a:sysClr val="windowText" lastClr="000000"/>
                   </a:solidFill>
                 </a:rPr>
-                <a:t>기타 시설 </a:t>
-              </a:r>
-              <a:r>
-                <a:rPr lang="en-US" altLang="ko-KR" dirty="0" smtClean="0">
-                  <a:solidFill>
-                    <a:sysClr val="windowText" lastClr="000000"/>
-                  </a:solidFill>
-                </a:rPr>
-                <a:t>(</a:t>
-              </a:r>
-              <a:r>
-                <a:rPr lang="ko-KR" altLang="en-US" dirty="0" err="1" smtClean="0">
-                  <a:solidFill>
-                    <a:sysClr val="windowText" lastClr="000000"/>
-                  </a:solidFill>
-                </a:rPr>
-                <a:t>스케쥴</a:t>
-              </a:r>
-              <a:r>
-                <a:rPr lang="en-US" altLang="ko-KR" dirty="0" smtClean="0">
-                  <a:solidFill>
-                    <a:sysClr val="windowText" lastClr="000000"/>
-                  </a:solidFill>
-                </a:rPr>
-                <a:t>)</a:t>
-              </a:r>
-              <a:endParaRPr lang="ko-KR" altLang="en-US" dirty="0">
+                <a:t>온실</a:t>
+              </a:r>
+              <a:endParaRPr lang="ko-KR" altLang="en-US" sz="1400" dirty="0">
                 <a:solidFill>
                   <a:sysClr val="windowText" lastClr="000000"/>
                 </a:solidFill>
@@ -4135,21 +4965,610 @@
       </p:grpSp>
       <p:grpSp>
         <p:nvGrpSpPr>
-          <p:cNvPr id="30" name="그룹 29"/>
+          <p:cNvPr id="73" name="그룹 72"/>
           <p:cNvGrpSpPr/>
           <p:nvPr/>
         </p:nvGrpSpPr>
         <p:grpSpPr>
           <a:xfrm>
-            <a:off x="-3986893" y="8286750"/>
-            <a:ext cx="3556000" cy="1765300"/>
+            <a:off x="9943022" y="1883210"/>
+            <a:ext cx="2603500" cy="1292452"/>
             <a:chOff x="673100" y="488950"/>
             <a:chExt cx="3556000" cy="1765300"/>
           </a:xfrm>
         </p:grpSpPr>
         <p:sp>
           <p:nvSpPr>
-            <p:cNvPr id="31" name="직사각형 30"/>
+            <p:cNvPr id="74" name="직사각형 73"/>
+            <p:cNvSpPr/>
+            <p:nvPr/>
+          </p:nvSpPr>
+          <p:spPr>
+            <a:xfrm>
+              <a:off x="673100" y="844550"/>
+              <a:ext cx="3556000" cy="1409700"/>
+            </a:xfrm>
+            <a:prstGeom prst="rect">
+              <a:avLst/>
+            </a:prstGeom>
+          </p:spPr>
+          <p:style>
+            <a:lnRef idx="1">
+              <a:schemeClr val="accent4"/>
+            </a:lnRef>
+            <a:fillRef idx="2">
+              <a:schemeClr val="accent4"/>
+            </a:fillRef>
+            <a:effectRef idx="1">
+              <a:schemeClr val="accent4"/>
+            </a:effectRef>
+            <a:fontRef idx="minor">
+              <a:schemeClr val="dk1"/>
+            </a:fontRef>
+          </p:style>
+          <p:txBody>
+            <a:bodyPr rtlCol="0" anchor="b"/>
+            <a:lstStyle/>
+            <a:p>
+              <a:r>
+                <a:rPr lang="ko-KR" altLang="en-US" sz="1100" dirty="0" smtClean="0"/>
+                <a:t>된다</a:t>
+              </a:r>
+              <a:r>
+                <a:rPr lang="en-US" altLang="ko-KR" sz="1100" dirty="0" smtClean="0"/>
+                <a:t>.</a:t>
+              </a:r>
+            </a:p>
+            <a:p>
+              <a:endParaRPr lang="en-US" altLang="ko-KR" sz="1100" dirty="0" smtClean="0"/>
+            </a:p>
+          </p:txBody>
+        </p:sp>
+        <p:sp>
+          <p:nvSpPr>
+            <p:cNvPr id="75" name="모서리가 둥근 직사각형 74"/>
+            <p:cNvSpPr/>
+            <p:nvPr/>
+          </p:nvSpPr>
+          <p:spPr>
+            <a:xfrm>
+              <a:off x="673100" y="488950"/>
+              <a:ext cx="2298700" cy="711200"/>
+            </a:xfrm>
+            <a:prstGeom prst="roundRect">
+              <a:avLst/>
+            </a:prstGeom>
+          </p:spPr>
+          <p:style>
+            <a:lnRef idx="2">
+              <a:schemeClr val="accent4">
+                <a:shade val="50000"/>
+              </a:schemeClr>
+            </a:lnRef>
+            <a:fillRef idx="1">
+              <a:schemeClr val="accent4"/>
+            </a:fillRef>
+            <a:effectRef idx="0">
+              <a:schemeClr val="accent4"/>
+            </a:effectRef>
+            <a:fontRef idx="minor">
+              <a:schemeClr val="lt1"/>
+            </a:fontRef>
+          </p:style>
+          <p:txBody>
+            <a:bodyPr rtlCol="0" anchor="ctr"/>
+            <a:lstStyle/>
+            <a:p>
+              <a:pPr algn="ctr"/>
+              <a:r>
+                <a:rPr lang="ko-KR" altLang="en-US" sz="1400" dirty="0" smtClean="0">
+                  <a:solidFill>
+                    <a:sysClr val="windowText" lastClr="000000"/>
+                  </a:solidFill>
+                </a:rPr>
+                <a:t>집회소</a:t>
+              </a:r>
+              <a:endParaRPr lang="ko-KR" altLang="en-US" sz="1400" dirty="0">
+                <a:solidFill>
+                  <a:sysClr val="windowText" lastClr="000000"/>
+                </a:solidFill>
+              </a:endParaRPr>
+            </a:p>
+          </p:txBody>
+        </p:sp>
+      </p:grpSp>
+      <p:grpSp>
+        <p:nvGrpSpPr>
+          <p:cNvPr id="76" name="그룹 75"/>
+          <p:cNvGrpSpPr/>
+          <p:nvPr/>
+        </p:nvGrpSpPr>
+        <p:grpSpPr>
+          <a:xfrm>
+            <a:off x="12992042" y="1883210"/>
+            <a:ext cx="2603500" cy="1292452"/>
+            <a:chOff x="673100" y="488950"/>
+            <a:chExt cx="3556000" cy="1765300"/>
+          </a:xfrm>
+        </p:grpSpPr>
+        <p:sp>
+          <p:nvSpPr>
+            <p:cNvPr id="77" name="직사각형 76"/>
+            <p:cNvSpPr/>
+            <p:nvPr/>
+          </p:nvSpPr>
+          <p:spPr>
+            <a:xfrm>
+              <a:off x="673100" y="844550"/>
+              <a:ext cx="3556000" cy="1409700"/>
+            </a:xfrm>
+            <a:prstGeom prst="rect">
+              <a:avLst/>
+            </a:prstGeom>
+          </p:spPr>
+          <p:style>
+            <a:lnRef idx="1">
+              <a:schemeClr val="accent4"/>
+            </a:lnRef>
+            <a:fillRef idx="2">
+              <a:schemeClr val="accent4"/>
+            </a:fillRef>
+            <a:effectRef idx="1">
+              <a:schemeClr val="accent4"/>
+            </a:effectRef>
+            <a:fontRef idx="minor">
+              <a:schemeClr val="dk1"/>
+            </a:fontRef>
+          </p:style>
+          <p:txBody>
+            <a:bodyPr rtlCol="0" anchor="b"/>
+            <a:lstStyle/>
+            <a:p>
+              <a:r>
+                <a:rPr lang="ko-KR" altLang="en-US" sz="1100" dirty="0" smtClean="0"/>
+                <a:t>된다</a:t>
+              </a:r>
+              <a:r>
+                <a:rPr lang="en-US" altLang="ko-KR" sz="1100" dirty="0" smtClean="0"/>
+                <a:t>.</a:t>
+              </a:r>
+            </a:p>
+            <a:p>
+              <a:endParaRPr lang="en-US" altLang="ko-KR" sz="1100" dirty="0" smtClean="0"/>
+            </a:p>
+          </p:txBody>
+        </p:sp>
+        <p:sp>
+          <p:nvSpPr>
+            <p:cNvPr id="78" name="모서리가 둥근 직사각형 77"/>
+            <p:cNvSpPr/>
+            <p:nvPr/>
+          </p:nvSpPr>
+          <p:spPr>
+            <a:xfrm>
+              <a:off x="673100" y="488950"/>
+              <a:ext cx="2298700" cy="711200"/>
+            </a:xfrm>
+            <a:prstGeom prst="roundRect">
+              <a:avLst/>
+            </a:prstGeom>
+          </p:spPr>
+          <p:style>
+            <a:lnRef idx="2">
+              <a:schemeClr val="accent4">
+                <a:shade val="50000"/>
+              </a:schemeClr>
+            </a:lnRef>
+            <a:fillRef idx="1">
+              <a:schemeClr val="accent4"/>
+            </a:fillRef>
+            <a:effectRef idx="0">
+              <a:schemeClr val="accent4"/>
+            </a:effectRef>
+            <a:fontRef idx="minor">
+              <a:schemeClr val="lt1"/>
+            </a:fontRef>
+          </p:style>
+          <p:txBody>
+            <a:bodyPr rtlCol="0" anchor="ctr"/>
+            <a:lstStyle/>
+            <a:p>
+              <a:pPr algn="ctr"/>
+              <a:r>
+                <a:rPr lang="ko-KR" altLang="en-US" sz="1400" dirty="0" smtClean="0">
+                  <a:solidFill>
+                    <a:sysClr val="windowText" lastClr="000000"/>
+                  </a:solidFill>
+                </a:rPr>
+                <a:t>교회</a:t>
+              </a:r>
+              <a:endParaRPr lang="ko-KR" altLang="en-US" sz="1400" dirty="0">
+                <a:solidFill>
+                  <a:sysClr val="windowText" lastClr="000000"/>
+                </a:solidFill>
+              </a:endParaRPr>
+            </a:p>
+          </p:txBody>
+        </p:sp>
+      </p:grpSp>
+      <p:grpSp>
+        <p:nvGrpSpPr>
+          <p:cNvPr id="79" name="그룹 78"/>
+          <p:cNvGrpSpPr/>
+          <p:nvPr/>
+        </p:nvGrpSpPr>
+        <p:grpSpPr>
+          <a:xfrm>
+            <a:off x="12992042" y="193042"/>
+            <a:ext cx="2603500" cy="1292452"/>
+            <a:chOff x="673100" y="488950"/>
+            <a:chExt cx="3556000" cy="1765300"/>
+          </a:xfrm>
+        </p:grpSpPr>
+        <p:sp>
+          <p:nvSpPr>
+            <p:cNvPr id="80" name="직사각형 79"/>
+            <p:cNvSpPr/>
+            <p:nvPr/>
+          </p:nvSpPr>
+          <p:spPr>
+            <a:xfrm>
+              <a:off x="673100" y="844550"/>
+              <a:ext cx="3556000" cy="1409700"/>
+            </a:xfrm>
+            <a:prstGeom prst="rect">
+              <a:avLst/>
+            </a:prstGeom>
+          </p:spPr>
+          <p:style>
+            <a:lnRef idx="1">
+              <a:schemeClr val="accent4"/>
+            </a:lnRef>
+            <a:fillRef idx="2">
+              <a:schemeClr val="accent4"/>
+            </a:fillRef>
+            <a:effectRef idx="1">
+              <a:schemeClr val="accent4"/>
+            </a:effectRef>
+            <a:fontRef idx="minor">
+              <a:schemeClr val="dk1"/>
+            </a:fontRef>
+          </p:style>
+          <p:txBody>
+            <a:bodyPr rtlCol="0" anchor="b"/>
+            <a:lstStyle/>
+            <a:p>
+              <a:r>
+                <a:rPr lang="ko-KR" altLang="en-US" sz="1100" dirty="0" smtClean="0"/>
+                <a:t>된다</a:t>
+              </a:r>
+              <a:r>
+                <a:rPr lang="en-US" altLang="ko-KR" sz="1100" dirty="0" smtClean="0"/>
+                <a:t>.</a:t>
+              </a:r>
+            </a:p>
+            <a:p>
+              <a:endParaRPr lang="en-US" altLang="ko-KR" sz="1100" dirty="0" smtClean="0"/>
+            </a:p>
+          </p:txBody>
+        </p:sp>
+        <p:sp>
+          <p:nvSpPr>
+            <p:cNvPr id="81" name="모서리가 둥근 직사각형 80"/>
+            <p:cNvSpPr/>
+            <p:nvPr/>
+          </p:nvSpPr>
+          <p:spPr>
+            <a:xfrm>
+              <a:off x="673100" y="488950"/>
+              <a:ext cx="2298700" cy="711200"/>
+            </a:xfrm>
+            <a:prstGeom prst="roundRect">
+              <a:avLst/>
+            </a:prstGeom>
+          </p:spPr>
+          <p:style>
+            <a:lnRef idx="2">
+              <a:schemeClr val="accent4">
+                <a:shade val="50000"/>
+              </a:schemeClr>
+            </a:lnRef>
+            <a:fillRef idx="1">
+              <a:schemeClr val="accent4"/>
+            </a:fillRef>
+            <a:effectRef idx="0">
+              <a:schemeClr val="accent4"/>
+            </a:effectRef>
+            <a:fontRef idx="minor">
+              <a:schemeClr val="lt1"/>
+            </a:fontRef>
+          </p:style>
+          <p:txBody>
+            <a:bodyPr rtlCol="0" anchor="ctr"/>
+            <a:lstStyle/>
+            <a:p>
+              <a:pPr algn="ctr"/>
+              <a:r>
+                <a:rPr lang="ko-KR" altLang="en-US" sz="1400" dirty="0" smtClean="0">
+                  <a:solidFill>
+                    <a:sysClr val="windowText" lastClr="000000"/>
+                  </a:solidFill>
+                </a:rPr>
+                <a:t>교육원</a:t>
+              </a:r>
+              <a:endParaRPr lang="ko-KR" altLang="en-US" sz="1400" dirty="0">
+                <a:solidFill>
+                  <a:sysClr val="windowText" lastClr="000000"/>
+                </a:solidFill>
+              </a:endParaRPr>
+            </a:p>
+          </p:txBody>
+        </p:sp>
+      </p:grpSp>
+      <p:grpSp>
+        <p:nvGrpSpPr>
+          <p:cNvPr id="82" name="그룹 81"/>
+          <p:cNvGrpSpPr/>
+          <p:nvPr/>
+        </p:nvGrpSpPr>
+        <p:grpSpPr>
+          <a:xfrm>
+            <a:off x="6894002" y="175588"/>
+            <a:ext cx="2603500" cy="1292452"/>
+            <a:chOff x="673100" y="488950"/>
+            <a:chExt cx="3556000" cy="1765300"/>
+          </a:xfrm>
+        </p:grpSpPr>
+        <p:sp>
+          <p:nvSpPr>
+            <p:cNvPr id="83" name="직사각형 82"/>
+            <p:cNvSpPr/>
+            <p:nvPr/>
+          </p:nvSpPr>
+          <p:spPr>
+            <a:xfrm>
+              <a:off x="673100" y="844550"/>
+              <a:ext cx="3556000" cy="1409700"/>
+            </a:xfrm>
+            <a:prstGeom prst="rect">
+              <a:avLst/>
+            </a:prstGeom>
+          </p:spPr>
+          <p:style>
+            <a:lnRef idx="1">
+              <a:schemeClr val="accent4"/>
+            </a:lnRef>
+            <a:fillRef idx="2">
+              <a:schemeClr val="accent4"/>
+            </a:fillRef>
+            <a:effectRef idx="1">
+              <a:schemeClr val="accent4"/>
+            </a:effectRef>
+            <a:fontRef idx="minor">
+              <a:schemeClr val="dk1"/>
+            </a:fontRef>
+          </p:style>
+          <p:txBody>
+            <a:bodyPr rtlCol="0" anchor="b"/>
+            <a:lstStyle/>
+            <a:p>
+              <a:r>
+                <a:rPr lang="ko-KR" altLang="en-US" sz="1100" dirty="0" smtClean="0"/>
+                <a:t>된다</a:t>
+              </a:r>
+              <a:r>
+                <a:rPr lang="en-US" altLang="ko-KR" sz="1100" dirty="0" smtClean="0"/>
+                <a:t>.</a:t>
+              </a:r>
+            </a:p>
+            <a:p>
+              <a:endParaRPr lang="en-US" altLang="ko-KR" sz="1100" dirty="0" smtClean="0"/>
+            </a:p>
+          </p:txBody>
+        </p:sp>
+        <p:sp>
+          <p:nvSpPr>
+            <p:cNvPr id="84" name="모서리가 둥근 직사각형 83"/>
+            <p:cNvSpPr/>
+            <p:nvPr/>
+          </p:nvSpPr>
+          <p:spPr>
+            <a:xfrm>
+              <a:off x="673100" y="488950"/>
+              <a:ext cx="2298700" cy="711200"/>
+            </a:xfrm>
+            <a:prstGeom prst="roundRect">
+              <a:avLst/>
+            </a:prstGeom>
+          </p:spPr>
+          <p:style>
+            <a:lnRef idx="2">
+              <a:schemeClr val="accent4">
+                <a:shade val="50000"/>
+              </a:schemeClr>
+            </a:lnRef>
+            <a:fillRef idx="1">
+              <a:schemeClr val="accent4"/>
+            </a:fillRef>
+            <a:effectRef idx="0">
+              <a:schemeClr val="accent4"/>
+            </a:effectRef>
+            <a:fontRef idx="minor">
+              <a:schemeClr val="lt1"/>
+            </a:fontRef>
+          </p:style>
+          <p:txBody>
+            <a:bodyPr rtlCol="0" anchor="ctr"/>
+            <a:lstStyle/>
+            <a:p>
+              <a:pPr algn="ctr"/>
+              <a:r>
+                <a:rPr lang="ko-KR" altLang="en-US" sz="1400" dirty="0" smtClean="0">
+                  <a:solidFill>
+                    <a:sysClr val="windowText" lastClr="000000"/>
+                  </a:solidFill>
+                </a:rPr>
+                <a:t>댐</a:t>
+              </a:r>
+              <a:endParaRPr lang="ko-KR" altLang="en-US" sz="1400" dirty="0">
+                <a:solidFill>
+                  <a:sysClr val="windowText" lastClr="000000"/>
+                </a:solidFill>
+              </a:endParaRPr>
+            </a:p>
+          </p:txBody>
+        </p:sp>
+      </p:grpSp>
+      <p:grpSp>
+        <p:nvGrpSpPr>
+          <p:cNvPr id="85" name="그룹 84"/>
+          <p:cNvGrpSpPr/>
+          <p:nvPr/>
+        </p:nvGrpSpPr>
+        <p:grpSpPr>
+          <a:xfrm>
+            <a:off x="9943022" y="175588"/>
+            <a:ext cx="2603500" cy="1292452"/>
+            <a:chOff x="673100" y="488950"/>
+            <a:chExt cx="3556000" cy="1765300"/>
+          </a:xfrm>
+        </p:grpSpPr>
+        <p:sp>
+          <p:nvSpPr>
+            <p:cNvPr id="86" name="직사각형 85"/>
+            <p:cNvSpPr/>
+            <p:nvPr/>
+          </p:nvSpPr>
+          <p:spPr>
+            <a:xfrm>
+              <a:off x="673100" y="844550"/>
+              <a:ext cx="3556000" cy="1409700"/>
+            </a:xfrm>
+            <a:prstGeom prst="rect">
+              <a:avLst/>
+            </a:prstGeom>
+            <a:solidFill>
+              <a:schemeClr val="accent1">
+                <a:lumMod val="40000"/>
+                <a:lumOff val="60000"/>
+              </a:schemeClr>
+            </a:solidFill>
+          </p:spPr>
+          <p:style>
+            <a:lnRef idx="1">
+              <a:schemeClr val="accent5"/>
+            </a:lnRef>
+            <a:fillRef idx="2">
+              <a:schemeClr val="accent5"/>
+            </a:fillRef>
+            <a:effectRef idx="1">
+              <a:schemeClr val="accent5"/>
+            </a:effectRef>
+            <a:fontRef idx="minor">
+              <a:schemeClr val="dk1"/>
+            </a:fontRef>
+          </p:style>
+          <p:txBody>
+            <a:bodyPr rtlCol="0" anchor="b"/>
+            <a:lstStyle/>
+            <a:p>
+              <a:r>
+                <a:rPr lang="ko-KR" altLang="en-US" sz="1100" dirty="0" smtClean="0"/>
+                <a:t>된다</a:t>
+              </a:r>
+              <a:r>
+                <a:rPr lang="en-US" altLang="ko-KR" sz="1100" dirty="0" smtClean="0"/>
+                <a:t>.</a:t>
+              </a:r>
+            </a:p>
+            <a:p>
+              <a:endParaRPr lang="en-US" altLang="ko-KR" sz="1100" dirty="0" smtClean="0"/>
+            </a:p>
+          </p:txBody>
+        </p:sp>
+        <p:sp>
+          <p:nvSpPr>
+            <p:cNvPr id="87" name="모서리가 둥근 직사각형 86"/>
+            <p:cNvSpPr/>
+            <p:nvPr/>
+          </p:nvSpPr>
+          <p:spPr>
+            <a:xfrm>
+              <a:off x="673100" y="488950"/>
+              <a:ext cx="2298700" cy="711200"/>
+            </a:xfrm>
+            <a:prstGeom prst="roundRect">
+              <a:avLst/>
+            </a:prstGeom>
+            <a:solidFill>
+              <a:schemeClr val="accent1">
+                <a:lumMod val="60000"/>
+                <a:lumOff val="40000"/>
+              </a:schemeClr>
+            </a:solidFill>
+            <a:ln>
+              <a:solidFill>
+                <a:schemeClr val="accent1">
+                  <a:lumMod val="75000"/>
+                </a:schemeClr>
+              </a:solidFill>
+            </a:ln>
+          </p:spPr>
+          <p:style>
+            <a:lnRef idx="2">
+              <a:schemeClr val="accent4">
+                <a:shade val="50000"/>
+              </a:schemeClr>
+            </a:lnRef>
+            <a:fillRef idx="1">
+              <a:schemeClr val="accent4"/>
+            </a:fillRef>
+            <a:effectRef idx="0">
+              <a:schemeClr val="accent4"/>
+            </a:effectRef>
+            <a:fontRef idx="minor">
+              <a:schemeClr val="lt1"/>
+            </a:fontRef>
+          </p:style>
+          <p:txBody>
+            <a:bodyPr rtlCol="0" anchor="ctr"/>
+            <a:lstStyle/>
+            <a:p>
+              <a:pPr algn="ctr"/>
+              <a:r>
+                <a:rPr lang="ko-KR" altLang="en-US" sz="1400" dirty="0" smtClean="0">
+                  <a:solidFill>
+                    <a:sysClr val="windowText" lastClr="000000"/>
+                  </a:solidFill>
+                </a:rPr>
+                <a:t>수력 발전소</a:t>
+              </a:r>
+              <a:endParaRPr lang="ko-KR" altLang="en-US" sz="1400" dirty="0">
+                <a:solidFill>
+                  <a:sysClr val="windowText" lastClr="000000"/>
+                </a:solidFill>
+              </a:endParaRPr>
+            </a:p>
+          </p:txBody>
+        </p:sp>
+      </p:grpSp>
+      <p:grpSp>
+        <p:nvGrpSpPr>
+          <p:cNvPr id="88" name="그룹 87"/>
+          <p:cNvGrpSpPr/>
+          <p:nvPr/>
+        </p:nvGrpSpPr>
+        <p:grpSpPr>
+          <a:xfrm>
+            <a:off x="12992042" y="3804494"/>
+            <a:ext cx="2603500" cy="1292452"/>
+            <a:chOff x="673100" y="488950"/>
+            <a:chExt cx="3556000" cy="1765300"/>
+          </a:xfrm>
+        </p:grpSpPr>
+        <p:sp>
+          <p:nvSpPr>
+            <p:cNvPr id="89" name="직사각형 88"/>
             <p:cNvSpPr/>
             <p:nvPr/>
           </p:nvSpPr>
@@ -4181,43 +5600,39 @@
             <a:lstStyle/>
             <a:p>
               <a:r>
-                <a:rPr lang="ko-KR" altLang="en-US" sz="1400" dirty="0" smtClean="0"/>
-                <a:t>명성을 얻거나 특정 이벤트를 볼 수 있도록 하는 시설</a:t>
-              </a:r>
-              <a:r>
-                <a:rPr lang="en-US" altLang="ko-KR" sz="1400" dirty="0" smtClean="0"/>
+                <a:rPr lang="ko-KR" altLang="en-US" sz="1100" dirty="0" smtClean="0"/>
+                <a:t>모든 시설들의 근간</a:t>
+              </a:r>
+              <a:r>
+                <a:rPr lang="en-US" altLang="ko-KR" sz="1100" dirty="0" smtClean="0"/>
                 <a:t>.</a:t>
               </a:r>
             </a:p>
             <a:p>
               <a:r>
-                <a:rPr lang="ko-KR" altLang="en-US" sz="1400" dirty="0" smtClean="0"/>
-                <a:t>말 그대로 기타 시설</a:t>
-              </a:r>
-              <a:r>
-                <a:rPr lang="en-US" altLang="ko-KR" sz="1400" dirty="0" smtClean="0"/>
+                <a:rPr lang="ko-KR" altLang="en-US" sz="1100" dirty="0" smtClean="0"/>
+                <a:t>연구소의 기술 연구 레벨을 바탕으로</a:t>
+              </a:r>
+              <a:endParaRPr lang="en-US" altLang="ko-KR" sz="1100" dirty="0" smtClean="0"/>
+            </a:p>
+            <a:p>
+              <a:r>
+                <a:rPr lang="ko-KR" altLang="en-US" sz="1100" dirty="0" smtClean="0"/>
+                <a:t>다른 시설도 만들 수 있게 된다</a:t>
+              </a:r>
+              <a:r>
+                <a:rPr lang="en-US" altLang="ko-KR" sz="1100" dirty="0" smtClean="0"/>
                 <a:t>.</a:t>
               </a:r>
             </a:p>
             <a:p>
-              <a:r>
-                <a:rPr lang="en-US" altLang="ko-KR" sz="1400" dirty="0"/>
-                <a:t>(</a:t>
-              </a:r>
-              <a:r>
-                <a:rPr lang="ko-KR" altLang="en-US" sz="1400" dirty="0"/>
-                <a:t>하드코딩과 잘 어울리는 곳</a:t>
-              </a:r>
-              <a:r>
-                <a:rPr lang="en-US" altLang="ko-KR" sz="1400" dirty="0" smtClean="0"/>
-                <a:t>.)</a:t>
-              </a:r>
+              <a:endParaRPr lang="en-US" altLang="ko-KR" sz="1100" dirty="0" smtClean="0"/>
             </a:p>
           </p:txBody>
         </p:sp>
         <p:sp>
           <p:nvSpPr>
-            <p:cNvPr id="32" name="모서리가 둥근 직사각형 31"/>
+            <p:cNvPr id="90" name="모서리가 둥근 직사각형 89"/>
             <p:cNvSpPr/>
             <p:nvPr/>
           </p:nvSpPr>
@@ -4252,14 +5667,14 @@
             <a:p>
               <a:pPr algn="ctr"/>
               <a:r>
-                <a:rPr lang="ko-KR" altLang="en-US" dirty="0" smtClean="0">
+                <a:rPr lang="ko-KR" altLang="en-US" sz="1400" dirty="0" smtClean="0">
                   <a:solidFill>
                     <a:sysClr val="windowText" lastClr="000000"/>
                   </a:solidFill>
                 </a:rPr>
-                <a:t>기타 시설</a:t>
-              </a:r>
-              <a:endParaRPr lang="ko-KR" altLang="en-US" dirty="0">
+                <a:t>탄환 공장</a:t>
+              </a:r>
+              <a:endParaRPr lang="ko-KR" altLang="en-US" sz="1400" dirty="0">
                 <a:solidFill>
                   <a:sysClr val="windowText" lastClr="000000"/>
                 </a:solidFill>
@@ -4270,21 +5685,21 @@
       </p:grpSp>
       <p:grpSp>
         <p:nvGrpSpPr>
-          <p:cNvPr id="33" name="그룹 32"/>
+          <p:cNvPr id="91" name="그룹 90"/>
           <p:cNvGrpSpPr/>
           <p:nvPr/>
         </p:nvGrpSpPr>
         <p:grpSpPr>
           <a:xfrm>
-            <a:off x="-3986893" y="139700"/>
-            <a:ext cx="3556000" cy="1765300"/>
+            <a:off x="12992042" y="5556433"/>
+            <a:ext cx="2603500" cy="1292452"/>
             <a:chOff x="673100" y="488950"/>
             <a:chExt cx="3556000" cy="1765300"/>
           </a:xfrm>
         </p:grpSpPr>
         <p:sp>
           <p:nvSpPr>
-            <p:cNvPr id="34" name="직사각형 33"/>
+            <p:cNvPr id="92" name="직사각형 91"/>
             <p:cNvSpPr/>
             <p:nvPr/>
           </p:nvSpPr>
@@ -4299,13 +5714,13 @@
           </p:spPr>
           <p:style>
             <a:lnRef idx="1">
-              <a:schemeClr val="accent5"/>
+              <a:schemeClr val="accent6"/>
             </a:lnRef>
             <a:fillRef idx="2">
-              <a:schemeClr val="accent5"/>
+              <a:schemeClr val="accent6"/>
             </a:fillRef>
             <a:effectRef idx="1">
-              <a:schemeClr val="accent5"/>
+              <a:schemeClr val="accent6"/>
             </a:effectRef>
             <a:fontRef idx="minor">
               <a:schemeClr val="dk1"/>
@@ -4316,39 +5731,39 @@
             <a:lstStyle/>
             <a:p>
               <a:r>
-                <a:rPr lang="ko-KR" altLang="en-US" sz="1400" dirty="0" smtClean="0"/>
+                <a:rPr lang="ko-KR" altLang="en-US" sz="1100" dirty="0" smtClean="0"/>
                 <a:t>모든 시설들의 근간</a:t>
               </a:r>
               <a:r>
-                <a:rPr lang="en-US" altLang="ko-KR" sz="1400" dirty="0" smtClean="0"/>
+                <a:rPr lang="en-US" altLang="ko-KR" sz="1100" dirty="0" smtClean="0"/>
                 <a:t>.</a:t>
               </a:r>
             </a:p>
             <a:p>
               <a:r>
-                <a:rPr lang="ko-KR" altLang="en-US" sz="1400" dirty="0" smtClean="0"/>
+                <a:rPr lang="ko-KR" altLang="en-US" sz="1100" dirty="0" smtClean="0"/>
                 <a:t>연구소의 기술 연구 레벨을 바탕으로</a:t>
               </a:r>
-              <a:endParaRPr lang="en-US" altLang="ko-KR" sz="1400" dirty="0" smtClean="0"/>
-            </a:p>
-            <a:p>
-              <a:r>
-                <a:rPr lang="ko-KR" altLang="en-US" sz="1400" dirty="0" smtClean="0"/>
+              <a:endParaRPr lang="en-US" altLang="ko-KR" sz="1100" dirty="0" smtClean="0"/>
+            </a:p>
+            <a:p>
+              <a:r>
+                <a:rPr lang="ko-KR" altLang="en-US" sz="1100" dirty="0" smtClean="0"/>
                 <a:t>다른 시설도 만들 수 있게 된다</a:t>
               </a:r>
               <a:r>
-                <a:rPr lang="en-US" altLang="ko-KR" sz="1400" dirty="0" smtClean="0"/>
+                <a:rPr lang="en-US" altLang="ko-KR" sz="1100" dirty="0" smtClean="0"/>
                 <a:t>.</a:t>
               </a:r>
             </a:p>
             <a:p>
-              <a:endParaRPr lang="en-US" altLang="ko-KR" sz="1400" dirty="0" smtClean="0"/>
+              <a:endParaRPr lang="en-US" altLang="ko-KR" sz="1100" dirty="0" smtClean="0"/>
             </a:p>
           </p:txBody>
         </p:sp>
         <p:sp>
           <p:nvSpPr>
-            <p:cNvPr id="35" name="모서리가 둥근 직사각형 34"/>
+            <p:cNvPr id="93" name="모서리가 둥근 직사각형 92"/>
             <p:cNvSpPr/>
             <p:nvPr/>
           </p:nvSpPr>
@@ -4360,153 +5775,6 @@
             <a:prstGeom prst="roundRect">
               <a:avLst/>
             </a:prstGeom>
-            <a:solidFill>
-              <a:schemeClr val="accent5">
-                <a:lumMod val="75000"/>
-              </a:schemeClr>
-            </a:solidFill>
-          </p:spPr>
-          <p:style>
-            <a:lnRef idx="2">
-              <a:schemeClr val="accent1">
-                <a:shade val="50000"/>
-              </a:schemeClr>
-            </a:lnRef>
-            <a:fillRef idx="1">
-              <a:schemeClr val="accent1"/>
-            </a:fillRef>
-            <a:effectRef idx="0">
-              <a:schemeClr val="accent1"/>
-            </a:effectRef>
-            <a:fontRef idx="minor">
-              <a:schemeClr val="lt1"/>
-            </a:fontRef>
-          </p:style>
-          <p:txBody>
-            <a:bodyPr rtlCol="0" anchor="ctr"/>
-            <a:lstStyle/>
-            <a:p>
-              <a:pPr algn="ctr"/>
-              <a:r>
-                <a:rPr lang="ko-KR" altLang="en-US" dirty="0" smtClean="0"/>
-                <a:t>연구소</a:t>
-              </a:r>
-              <a:endParaRPr lang="ko-KR" altLang="en-US" dirty="0"/>
-            </a:p>
-          </p:txBody>
-        </p:sp>
-      </p:grpSp>
-      <p:grpSp>
-        <p:nvGrpSpPr>
-          <p:cNvPr id="36" name="그룹 35"/>
-          <p:cNvGrpSpPr/>
-          <p:nvPr/>
-        </p:nvGrpSpPr>
-        <p:grpSpPr>
-          <a:xfrm>
-            <a:off x="-3986893" y="2199481"/>
-            <a:ext cx="3556000" cy="1679575"/>
-            <a:chOff x="673100" y="1968500"/>
-            <a:chExt cx="3556000" cy="1679575"/>
-          </a:xfrm>
-        </p:grpSpPr>
-        <p:sp>
-          <p:nvSpPr>
-            <p:cNvPr id="37" name="직사각형 36"/>
-            <p:cNvSpPr/>
-            <p:nvPr/>
-          </p:nvSpPr>
-          <p:spPr>
-            <a:xfrm>
-              <a:off x="673100" y="2238375"/>
-              <a:ext cx="3556000" cy="1409700"/>
-            </a:xfrm>
-            <a:prstGeom prst="rect">
-              <a:avLst/>
-            </a:prstGeom>
-            <a:solidFill>
-              <a:schemeClr val="tx1">
-                <a:lumMod val="50000"/>
-                <a:lumOff val="50000"/>
-              </a:schemeClr>
-            </a:solidFill>
-          </p:spPr>
-          <p:style>
-            <a:lnRef idx="3">
-              <a:schemeClr val="lt1"/>
-            </a:lnRef>
-            <a:fillRef idx="1">
-              <a:schemeClr val="accent6"/>
-            </a:fillRef>
-            <a:effectRef idx="1">
-              <a:schemeClr val="accent6"/>
-            </a:effectRef>
-            <a:fontRef idx="minor">
-              <a:schemeClr val="lt1"/>
-            </a:fontRef>
-          </p:style>
-          <p:txBody>
-            <a:bodyPr rtlCol="0" anchor="b"/>
-            <a:lstStyle/>
-            <a:p>
-              <a:r>
-                <a:rPr lang="ko-KR" altLang="en-US" sz="1400" dirty="0" err="1" smtClean="0"/>
-                <a:t>크레딧을</a:t>
-              </a:r>
-              <a:r>
-                <a:rPr lang="ko-KR" altLang="en-US" sz="1400" dirty="0" smtClean="0"/>
-                <a:t> 생산하는 기본 시설</a:t>
-              </a:r>
-              <a:r>
-                <a:rPr lang="en-US" altLang="ko-KR" sz="1400" dirty="0" smtClean="0"/>
-                <a:t>.</a:t>
-              </a:r>
-            </a:p>
-            <a:p>
-              <a:r>
-                <a:rPr lang="ko-KR" altLang="en-US" sz="1400" dirty="0" smtClean="0"/>
-                <a:t>광산에서 태울 것들을 파다가 도시에</a:t>
-              </a:r>
-              <a:r>
-                <a:rPr lang="en-US" altLang="ko-KR" sz="1400" dirty="0" smtClean="0"/>
-                <a:t/>
-              </a:r>
-              <a:br>
-                <a:rPr lang="en-US" altLang="ko-KR" sz="1400" dirty="0" smtClean="0"/>
-              </a:br>
-              <a:r>
-                <a:rPr lang="ko-KR" altLang="en-US" sz="1400" dirty="0" smtClean="0"/>
-                <a:t>전력 공급을 하고 있다는 설정이다</a:t>
-              </a:r>
-              <a:r>
-                <a:rPr lang="en-US" altLang="ko-KR" sz="1400" dirty="0" smtClean="0"/>
-                <a:t>.</a:t>
-              </a:r>
-            </a:p>
-            <a:p>
-              <a:endParaRPr lang="en-US" altLang="ko-KR" sz="1400" dirty="0" smtClean="0"/>
-            </a:p>
-          </p:txBody>
-        </p:sp>
-        <p:sp>
-          <p:nvSpPr>
-            <p:cNvPr id="38" name="모서리가 둥근 직사각형 37"/>
-            <p:cNvSpPr/>
-            <p:nvPr/>
-          </p:nvSpPr>
-          <p:spPr>
-            <a:xfrm>
-              <a:off x="673100" y="1968500"/>
-              <a:ext cx="2298700" cy="711200"/>
-            </a:xfrm>
-            <a:prstGeom prst="roundRect">
-              <a:avLst/>
-            </a:prstGeom>
-            <a:solidFill>
-              <a:schemeClr val="tx2">
-                <a:lumMod val="75000"/>
-              </a:schemeClr>
-            </a:solidFill>
           </p:spPr>
           <p:style>
             <a:lnRef idx="2">
@@ -4530,37 +5798,53 @@
             <a:p>
               <a:pPr algn="ctr"/>
               <a:r>
-                <a:rPr lang="ko-KR" altLang="en-US" dirty="0" smtClean="0"/>
-                <a:t>광산</a:t>
-              </a:r>
-              <a:endParaRPr lang="ko-KR" altLang="en-US" dirty="0"/>
+                <a:rPr lang="ko-KR" altLang="en-US" sz="1400" err="1" smtClean="0">
+                  <a:solidFill>
+                    <a:sysClr val="windowText" lastClr="000000"/>
+                  </a:solidFill>
+                </a:rPr>
+                <a:t>파츠</a:t>
+              </a:r>
+              <a:r>
+                <a:rPr lang="ko-KR" altLang="en-US" sz="1400" dirty="0" smtClean="0">
+                  <a:solidFill>
+                    <a:sysClr val="windowText" lastClr="000000"/>
+                  </a:solidFill>
+                </a:rPr>
+                <a:t> 공장</a:t>
+              </a:r>
+              <a:endParaRPr lang="ko-KR" altLang="en-US" sz="1400" dirty="0">
+                <a:solidFill>
+                  <a:sysClr val="windowText" lastClr="000000"/>
+                </a:solidFill>
+              </a:endParaRPr>
             </a:p>
           </p:txBody>
         </p:sp>
       </p:grpSp>
       <p:grpSp>
         <p:nvGrpSpPr>
-          <p:cNvPr id="39" name="그룹 38"/>
+          <p:cNvPr id="94" name="그룹 93"/>
           <p:cNvGrpSpPr/>
           <p:nvPr/>
         </p:nvGrpSpPr>
         <p:grpSpPr>
           <a:xfrm>
-            <a:off x="-3986893" y="4173537"/>
-            <a:ext cx="3556000" cy="1758950"/>
-            <a:chOff x="673100" y="3917950"/>
-            <a:chExt cx="3556000" cy="1758950"/>
+            <a:off x="16041062" y="1883210"/>
+            <a:ext cx="2603500" cy="1292452"/>
+            <a:chOff x="673100" y="488950"/>
+            <a:chExt cx="3556000" cy="1765300"/>
           </a:xfrm>
         </p:grpSpPr>
         <p:sp>
           <p:nvSpPr>
-            <p:cNvPr id="40" name="직사각형 39"/>
+            <p:cNvPr id="95" name="직사각형 94"/>
             <p:cNvSpPr/>
             <p:nvPr/>
           </p:nvSpPr>
           <p:spPr>
             <a:xfrm>
-              <a:off x="673100" y="4267200"/>
+              <a:off x="673100" y="844550"/>
               <a:ext cx="3556000" cy="1409700"/>
             </a:xfrm>
             <a:prstGeom prst="rect">
@@ -4569,13 +5853,13 @@
           </p:spPr>
           <p:style>
             <a:lnRef idx="1">
-              <a:schemeClr val="accent2"/>
+              <a:schemeClr val="accent4"/>
             </a:lnRef>
             <a:fillRef idx="2">
-              <a:schemeClr val="accent2"/>
+              <a:schemeClr val="accent4"/>
             </a:fillRef>
             <a:effectRef idx="1">
-              <a:schemeClr val="accent2"/>
+              <a:schemeClr val="accent4"/>
             </a:effectRef>
             <a:fontRef idx="minor">
               <a:schemeClr val="dk1"/>
@@ -4586,38 +5870,28 @@
             <a:lstStyle/>
             <a:p>
               <a:r>
-                <a:rPr lang="ko-KR" altLang="en-US" sz="1400" dirty="0" smtClean="0"/>
-                <a:t>도시를 지키는 장벽</a:t>
-              </a:r>
-              <a:r>
-                <a:rPr lang="en-US" altLang="ko-KR" sz="1400" dirty="0" smtClean="0"/>
+                <a:rPr lang="ko-KR" altLang="en-US" sz="1100" dirty="0" smtClean="0"/>
+                <a:t>된다</a:t>
+              </a:r>
+              <a:r>
+                <a:rPr lang="en-US" altLang="ko-KR" sz="1100" dirty="0" smtClean="0"/>
                 <a:t>.</a:t>
               </a:r>
             </a:p>
             <a:p>
-              <a:r>
-                <a:rPr lang="ko-KR" altLang="en-US" sz="1400" dirty="0" smtClean="0"/>
-                <a:t>야생화된 기계들로부터 도시를 지킨다</a:t>
-              </a:r>
-              <a:r>
-                <a:rPr lang="en-US" altLang="ko-KR" sz="1400" dirty="0" smtClean="0"/>
-                <a:t>.</a:t>
-              </a:r>
-            </a:p>
-            <a:p>
-              <a:endParaRPr lang="en-US" altLang="ko-KR" sz="1400" dirty="0" smtClean="0"/>
+              <a:endParaRPr lang="en-US" altLang="ko-KR" sz="1100" dirty="0" smtClean="0"/>
             </a:p>
           </p:txBody>
         </p:sp>
         <p:sp>
           <p:nvSpPr>
-            <p:cNvPr id="41" name="모서리가 둥근 직사각형 40"/>
+            <p:cNvPr id="96" name="모서리가 둥근 직사각형 95"/>
             <p:cNvSpPr/>
             <p:nvPr/>
           </p:nvSpPr>
           <p:spPr>
             <a:xfrm>
-              <a:off x="673100" y="3917950"/>
+              <a:off x="673100" y="488950"/>
               <a:ext cx="2298700" cy="711200"/>
             </a:xfrm>
             <a:prstGeom prst="roundRect">
@@ -4626,15 +5900,15 @@
           </p:spPr>
           <p:style>
             <a:lnRef idx="2">
-              <a:schemeClr val="accent2">
+              <a:schemeClr val="accent4">
                 <a:shade val="50000"/>
               </a:schemeClr>
             </a:lnRef>
             <a:fillRef idx="1">
-              <a:schemeClr val="accent2"/>
+              <a:schemeClr val="accent4"/>
             </a:fillRef>
             <a:effectRef idx="0">
-              <a:schemeClr val="accent2"/>
+              <a:schemeClr val="accent4"/>
             </a:effectRef>
             <a:fontRef idx="minor">
               <a:schemeClr val="lt1"/>
@@ -4646,18 +5920,641 @@
             <a:p>
               <a:pPr algn="ctr"/>
               <a:r>
-                <a:rPr lang="ko-KR" altLang="en-US" dirty="0" smtClean="0"/>
-                <a:t>장벽</a:t>
-              </a:r>
-              <a:endParaRPr lang="ko-KR" altLang="en-US" dirty="0"/>
+                <a:rPr lang="ko-KR" altLang="en-US" sz="1400" dirty="0" smtClean="0">
+                  <a:solidFill>
+                    <a:sysClr val="windowText" lastClr="000000"/>
+                  </a:solidFill>
+                </a:rPr>
+                <a:t>병원</a:t>
+              </a:r>
+              <a:endParaRPr lang="ko-KR" altLang="en-US" sz="1400" dirty="0">
+                <a:solidFill>
+                  <a:sysClr val="windowText" lastClr="000000"/>
+                </a:solidFill>
+              </a:endParaRPr>
             </a:p>
           </p:txBody>
         </p:sp>
       </p:grpSp>
+      <p:grpSp>
+        <p:nvGrpSpPr>
+          <p:cNvPr id="97" name="그룹 96"/>
+          <p:cNvGrpSpPr/>
+          <p:nvPr/>
+        </p:nvGrpSpPr>
+        <p:grpSpPr>
+          <a:xfrm>
+            <a:off x="16041062" y="5534543"/>
+            <a:ext cx="2603500" cy="1292452"/>
+            <a:chOff x="673100" y="488950"/>
+            <a:chExt cx="3556000" cy="1765300"/>
+          </a:xfrm>
+        </p:grpSpPr>
+        <p:sp>
+          <p:nvSpPr>
+            <p:cNvPr id="98" name="직사각형 97"/>
+            <p:cNvSpPr/>
+            <p:nvPr/>
+          </p:nvSpPr>
+          <p:spPr>
+            <a:xfrm>
+              <a:off x="673100" y="844550"/>
+              <a:ext cx="3556000" cy="1409700"/>
+            </a:xfrm>
+            <a:prstGeom prst="rect">
+              <a:avLst/>
+            </a:prstGeom>
+          </p:spPr>
+          <p:style>
+            <a:lnRef idx="1">
+              <a:schemeClr val="accent6"/>
+            </a:lnRef>
+            <a:fillRef idx="2">
+              <a:schemeClr val="accent6"/>
+            </a:fillRef>
+            <a:effectRef idx="1">
+              <a:schemeClr val="accent6"/>
+            </a:effectRef>
+            <a:fontRef idx="minor">
+              <a:schemeClr val="dk1"/>
+            </a:fontRef>
+          </p:style>
+          <p:txBody>
+            <a:bodyPr rtlCol="0" anchor="b"/>
+            <a:lstStyle/>
+            <a:p>
+              <a:r>
+                <a:rPr lang="ko-KR" altLang="en-US" sz="1100" dirty="0" smtClean="0"/>
+                <a:t>모든 시설들의 근간</a:t>
+              </a:r>
+              <a:r>
+                <a:rPr lang="en-US" altLang="ko-KR" sz="1100" dirty="0" smtClean="0"/>
+                <a:t>.</a:t>
+              </a:r>
+            </a:p>
+            <a:p>
+              <a:r>
+                <a:rPr lang="ko-KR" altLang="en-US" sz="1100" dirty="0" smtClean="0"/>
+                <a:t>연구소의 기술 연구 레벨을 바탕으로</a:t>
+              </a:r>
+              <a:endParaRPr lang="en-US" altLang="ko-KR" sz="1100" dirty="0" smtClean="0"/>
+            </a:p>
+            <a:p>
+              <a:r>
+                <a:rPr lang="ko-KR" altLang="en-US" sz="1100" dirty="0" smtClean="0"/>
+                <a:t>다른 시설도 만들 수 있게 된다</a:t>
+              </a:r>
+              <a:r>
+                <a:rPr lang="en-US" altLang="ko-KR" sz="1100" dirty="0" smtClean="0"/>
+                <a:t>.</a:t>
+              </a:r>
+            </a:p>
+            <a:p>
+              <a:endParaRPr lang="en-US" altLang="ko-KR" sz="1100" dirty="0" smtClean="0"/>
+            </a:p>
+          </p:txBody>
+        </p:sp>
+        <p:sp>
+          <p:nvSpPr>
+            <p:cNvPr id="99" name="모서리가 둥근 직사각형 98"/>
+            <p:cNvSpPr/>
+            <p:nvPr/>
+          </p:nvSpPr>
+          <p:spPr>
+            <a:xfrm>
+              <a:off x="673100" y="488950"/>
+              <a:ext cx="2298700" cy="711200"/>
+            </a:xfrm>
+            <a:prstGeom prst="roundRect">
+              <a:avLst/>
+            </a:prstGeom>
+          </p:spPr>
+          <p:style>
+            <a:lnRef idx="2">
+              <a:schemeClr val="accent6">
+                <a:shade val="50000"/>
+              </a:schemeClr>
+            </a:lnRef>
+            <a:fillRef idx="1">
+              <a:schemeClr val="accent6"/>
+            </a:fillRef>
+            <a:effectRef idx="0">
+              <a:schemeClr val="accent6"/>
+            </a:effectRef>
+            <a:fontRef idx="minor">
+              <a:schemeClr val="lt1"/>
+            </a:fontRef>
+          </p:style>
+          <p:txBody>
+            <a:bodyPr rtlCol="0" anchor="ctr"/>
+            <a:lstStyle/>
+            <a:p>
+              <a:pPr algn="ctr"/>
+              <a:r>
+                <a:rPr lang="ko-KR" altLang="en-US" sz="1400" dirty="0" smtClean="0">
+                  <a:solidFill>
+                    <a:sysClr val="windowText" lastClr="000000"/>
+                  </a:solidFill>
+                </a:rPr>
+                <a:t>마인드 프로세서</a:t>
+              </a:r>
+              <a:endParaRPr lang="ko-KR" altLang="en-US" sz="1400" dirty="0">
+                <a:solidFill>
+                  <a:sysClr val="windowText" lastClr="000000"/>
+                </a:solidFill>
+              </a:endParaRPr>
+            </a:p>
+          </p:txBody>
+        </p:sp>
+      </p:grpSp>
+      <p:cxnSp>
+        <p:nvCxnSpPr>
+          <p:cNvPr id="11" name="꺾인 연결선 10"/>
+          <p:cNvCxnSpPr>
+            <a:stCxn id="50" idx="3"/>
+            <a:endCxn id="59" idx="1"/>
+          </p:cNvCxnSpPr>
+          <p:nvPr/>
+        </p:nvCxnSpPr>
+        <p:spPr>
+          <a:xfrm flipV="1">
+            <a:off x="3399462" y="2659611"/>
+            <a:ext cx="445520" cy="935870"/>
+          </a:xfrm>
+          <a:prstGeom prst="bentConnector3">
+            <a:avLst/>
+          </a:prstGeom>
+          <a:ln w="38100">
+            <a:tailEnd type="triangle"/>
+          </a:ln>
+        </p:spPr>
+        <p:style>
+          <a:lnRef idx="1">
+            <a:schemeClr val="accent3"/>
+          </a:lnRef>
+          <a:fillRef idx="0">
+            <a:schemeClr val="accent3"/>
+          </a:fillRef>
+          <a:effectRef idx="0">
+            <a:schemeClr val="accent3"/>
+          </a:effectRef>
+          <a:fontRef idx="minor">
+            <a:schemeClr val="tx1"/>
+          </a:fontRef>
+        </p:style>
+      </p:cxnSp>
+      <p:cxnSp>
+        <p:nvCxnSpPr>
+          <p:cNvPr id="100" name="꺾인 연결선 99"/>
+          <p:cNvCxnSpPr>
+            <a:stCxn id="50" idx="3"/>
+            <a:endCxn id="65" idx="1"/>
+          </p:cNvCxnSpPr>
+          <p:nvPr/>
+        </p:nvCxnSpPr>
+        <p:spPr>
+          <a:xfrm>
+            <a:off x="3399462" y="3595481"/>
+            <a:ext cx="445520" cy="981179"/>
+          </a:xfrm>
+          <a:prstGeom prst="bentConnector3">
+            <a:avLst>
+              <a:gd name="adj1" fmla="val 50000"/>
+            </a:avLst>
+          </a:prstGeom>
+          <a:ln w="38100">
+            <a:tailEnd type="triangle"/>
+          </a:ln>
+        </p:spPr>
+        <p:style>
+          <a:lnRef idx="1">
+            <a:schemeClr val="accent3"/>
+          </a:lnRef>
+          <a:fillRef idx="0">
+            <a:schemeClr val="accent3"/>
+          </a:fillRef>
+          <a:effectRef idx="0">
+            <a:schemeClr val="accent3"/>
+          </a:effectRef>
+          <a:fontRef idx="minor">
+            <a:schemeClr val="tx1"/>
+          </a:fontRef>
+        </p:style>
+      </p:cxnSp>
+      <p:cxnSp>
+        <p:nvCxnSpPr>
+          <p:cNvPr id="104" name="직선 화살표 연결선 103"/>
+          <p:cNvCxnSpPr>
+            <a:stCxn id="59" idx="3"/>
+            <a:endCxn id="71" idx="1"/>
+          </p:cNvCxnSpPr>
+          <p:nvPr/>
+        </p:nvCxnSpPr>
+        <p:spPr>
+          <a:xfrm>
+            <a:off x="6448482" y="2659611"/>
+            <a:ext cx="445520" cy="0"/>
+          </a:xfrm>
+          <a:prstGeom prst="straightConnector1">
+            <a:avLst/>
+          </a:prstGeom>
+          <a:ln w="38100">
+            <a:tailEnd type="triangle"/>
+          </a:ln>
+        </p:spPr>
+        <p:style>
+          <a:lnRef idx="1">
+            <a:schemeClr val="accent3"/>
+          </a:lnRef>
+          <a:fillRef idx="0">
+            <a:schemeClr val="accent3"/>
+          </a:fillRef>
+          <a:effectRef idx="0">
+            <a:schemeClr val="accent3"/>
+          </a:effectRef>
+          <a:fontRef idx="minor">
+            <a:schemeClr val="tx1"/>
+          </a:fontRef>
+        </p:style>
+      </p:cxnSp>
+      <p:cxnSp>
+        <p:nvCxnSpPr>
+          <p:cNvPr id="106" name="꺾인 연결선 105"/>
+          <p:cNvCxnSpPr>
+            <a:stCxn id="59" idx="3"/>
+            <a:endCxn id="83" idx="1"/>
+          </p:cNvCxnSpPr>
+          <p:nvPr/>
+        </p:nvCxnSpPr>
+        <p:spPr>
+          <a:xfrm flipV="1">
+            <a:off x="6448482" y="951989"/>
+            <a:ext cx="445520" cy="1707622"/>
+          </a:xfrm>
+          <a:prstGeom prst="bentConnector3">
+            <a:avLst/>
+          </a:prstGeom>
+          <a:ln w="38100">
+            <a:tailEnd type="triangle"/>
+          </a:ln>
+        </p:spPr>
+        <p:style>
+          <a:lnRef idx="1">
+            <a:schemeClr val="accent3"/>
+          </a:lnRef>
+          <a:fillRef idx="0">
+            <a:schemeClr val="accent3"/>
+          </a:fillRef>
+          <a:effectRef idx="0">
+            <a:schemeClr val="accent3"/>
+          </a:effectRef>
+          <a:fontRef idx="minor">
+            <a:schemeClr val="tx1"/>
+          </a:fontRef>
+        </p:style>
+      </p:cxnSp>
+      <p:cxnSp>
+        <p:nvCxnSpPr>
+          <p:cNvPr id="108" name="직선 화살표 연결선 107"/>
+          <p:cNvCxnSpPr>
+            <a:stCxn id="65" idx="3"/>
+          </p:cNvCxnSpPr>
+          <p:nvPr/>
+        </p:nvCxnSpPr>
+        <p:spPr>
+          <a:xfrm>
+            <a:off x="6448482" y="4576660"/>
+            <a:ext cx="445520" cy="0"/>
+          </a:xfrm>
+          <a:prstGeom prst="straightConnector1">
+            <a:avLst/>
+          </a:prstGeom>
+          <a:ln w="38100">
+            <a:tailEnd type="triangle"/>
+          </a:ln>
+        </p:spPr>
+        <p:style>
+          <a:lnRef idx="1">
+            <a:schemeClr val="accent3"/>
+          </a:lnRef>
+          <a:fillRef idx="0">
+            <a:schemeClr val="accent3"/>
+          </a:fillRef>
+          <a:effectRef idx="0">
+            <a:schemeClr val="accent3"/>
+          </a:effectRef>
+          <a:fontRef idx="minor">
+            <a:schemeClr val="tx1"/>
+          </a:fontRef>
+        </p:style>
+      </p:cxnSp>
+      <p:cxnSp>
+        <p:nvCxnSpPr>
+          <p:cNvPr id="110" name="직선 화살표 연결선 109"/>
+          <p:cNvCxnSpPr>
+            <a:stCxn id="62" idx="3"/>
+            <a:endCxn id="68" idx="1"/>
+          </p:cNvCxnSpPr>
+          <p:nvPr/>
+        </p:nvCxnSpPr>
+        <p:spPr>
+          <a:xfrm>
+            <a:off x="9497502" y="4576660"/>
+            <a:ext cx="445520" cy="4235"/>
+          </a:xfrm>
+          <a:prstGeom prst="straightConnector1">
+            <a:avLst/>
+          </a:prstGeom>
+          <a:ln w="38100">
+            <a:tailEnd type="triangle"/>
+          </a:ln>
+        </p:spPr>
+        <p:style>
+          <a:lnRef idx="1">
+            <a:schemeClr val="accent3"/>
+          </a:lnRef>
+          <a:fillRef idx="0">
+            <a:schemeClr val="accent3"/>
+          </a:fillRef>
+          <a:effectRef idx="0">
+            <a:schemeClr val="accent3"/>
+          </a:effectRef>
+          <a:fontRef idx="minor">
+            <a:schemeClr val="tx1"/>
+          </a:fontRef>
+        </p:style>
+      </p:cxnSp>
+      <p:cxnSp>
+        <p:nvCxnSpPr>
+          <p:cNvPr id="115" name="직선 화살표 연결선 114"/>
+          <p:cNvCxnSpPr/>
+          <p:nvPr/>
+        </p:nvCxnSpPr>
+        <p:spPr>
+          <a:xfrm>
+            <a:off x="9506857" y="2664260"/>
+            <a:ext cx="445520" cy="4235"/>
+          </a:xfrm>
+          <a:prstGeom prst="straightConnector1">
+            <a:avLst/>
+          </a:prstGeom>
+          <a:ln w="38100">
+            <a:tailEnd type="triangle"/>
+          </a:ln>
+        </p:spPr>
+        <p:style>
+          <a:lnRef idx="1">
+            <a:schemeClr val="accent3"/>
+          </a:lnRef>
+          <a:fillRef idx="0">
+            <a:schemeClr val="accent3"/>
+          </a:fillRef>
+          <a:effectRef idx="0">
+            <a:schemeClr val="accent3"/>
+          </a:effectRef>
+          <a:fontRef idx="minor">
+            <a:schemeClr val="tx1"/>
+          </a:fontRef>
+        </p:style>
+      </p:cxnSp>
+      <p:cxnSp>
+        <p:nvCxnSpPr>
+          <p:cNvPr id="116" name="직선 화살표 연결선 115"/>
+          <p:cNvCxnSpPr/>
+          <p:nvPr/>
+        </p:nvCxnSpPr>
+        <p:spPr>
+          <a:xfrm>
+            <a:off x="9497502" y="960559"/>
+            <a:ext cx="445520" cy="4235"/>
+          </a:xfrm>
+          <a:prstGeom prst="straightConnector1">
+            <a:avLst/>
+          </a:prstGeom>
+          <a:ln w="38100">
+            <a:tailEnd type="triangle"/>
+          </a:ln>
+        </p:spPr>
+        <p:style>
+          <a:lnRef idx="1">
+            <a:schemeClr val="accent3"/>
+          </a:lnRef>
+          <a:fillRef idx="0">
+            <a:schemeClr val="accent3"/>
+          </a:fillRef>
+          <a:effectRef idx="0">
+            <a:schemeClr val="accent3"/>
+          </a:effectRef>
+          <a:fontRef idx="minor">
+            <a:schemeClr val="tx1"/>
+          </a:fontRef>
+        </p:style>
+      </p:cxnSp>
+      <p:cxnSp>
+        <p:nvCxnSpPr>
+          <p:cNvPr id="117" name="직선 화살표 연결선 116"/>
+          <p:cNvCxnSpPr/>
+          <p:nvPr/>
+        </p:nvCxnSpPr>
+        <p:spPr>
+          <a:xfrm>
+            <a:off x="12537167" y="4576660"/>
+            <a:ext cx="445520" cy="4235"/>
+          </a:xfrm>
+          <a:prstGeom prst="straightConnector1">
+            <a:avLst/>
+          </a:prstGeom>
+          <a:ln w="38100">
+            <a:tailEnd type="triangle"/>
+          </a:ln>
+        </p:spPr>
+        <p:style>
+          <a:lnRef idx="1">
+            <a:schemeClr val="accent3"/>
+          </a:lnRef>
+          <a:fillRef idx="0">
+            <a:schemeClr val="accent3"/>
+          </a:fillRef>
+          <a:effectRef idx="0">
+            <a:schemeClr val="accent3"/>
+          </a:effectRef>
+          <a:fontRef idx="minor">
+            <a:schemeClr val="tx1"/>
+          </a:fontRef>
+        </p:style>
+      </p:cxnSp>
+      <p:cxnSp>
+        <p:nvCxnSpPr>
+          <p:cNvPr id="118" name="직선 화살표 연결선 117"/>
+          <p:cNvCxnSpPr/>
+          <p:nvPr/>
+        </p:nvCxnSpPr>
+        <p:spPr>
+          <a:xfrm>
+            <a:off x="12546522" y="2664260"/>
+            <a:ext cx="445520" cy="4235"/>
+          </a:xfrm>
+          <a:prstGeom prst="straightConnector1">
+            <a:avLst/>
+          </a:prstGeom>
+          <a:ln w="38100">
+            <a:tailEnd type="triangle"/>
+          </a:ln>
+        </p:spPr>
+        <p:style>
+          <a:lnRef idx="1">
+            <a:schemeClr val="accent3"/>
+          </a:lnRef>
+          <a:fillRef idx="0">
+            <a:schemeClr val="accent3"/>
+          </a:fillRef>
+          <a:effectRef idx="0">
+            <a:schemeClr val="accent3"/>
+          </a:effectRef>
+          <a:fontRef idx="minor">
+            <a:schemeClr val="tx1"/>
+          </a:fontRef>
+        </p:style>
+      </p:cxnSp>
+      <p:cxnSp>
+        <p:nvCxnSpPr>
+          <p:cNvPr id="119" name="직선 화살표 연결선 118"/>
+          <p:cNvCxnSpPr/>
+          <p:nvPr/>
+        </p:nvCxnSpPr>
+        <p:spPr>
+          <a:xfrm>
+            <a:off x="12537167" y="960559"/>
+            <a:ext cx="445520" cy="4235"/>
+          </a:xfrm>
+          <a:prstGeom prst="straightConnector1">
+            <a:avLst/>
+          </a:prstGeom>
+          <a:ln w="38100">
+            <a:tailEnd type="triangle"/>
+          </a:ln>
+        </p:spPr>
+        <p:style>
+          <a:lnRef idx="1">
+            <a:schemeClr val="accent3"/>
+          </a:lnRef>
+          <a:fillRef idx="0">
+            <a:schemeClr val="accent3"/>
+          </a:fillRef>
+          <a:effectRef idx="0">
+            <a:schemeClr val="accent3"/>
+          </a:effectRef>
+          <a:fontRef idx="minor">
+            <a:schemeClr val="tx1"/>
+          </a:fontRef>
+        </p:style>
+      </p:cxnSp>
+      <p:cxnSp>
+        <p:nvCxnSpPr>
+          <p:cNvPr id="121" name="꺾인 연결선 120"/>
+          <p:cNvCxnSpPr>
+            <a:stCxn id="68" idx="3"/>
+            <a:endCxn id="92" idx="1"/>
+          </p:cNvCxnSpPr>
+          <p:nvPr/>
+        </p:nvCxnSpPr>
+        <p:spPr>
+          <a:xfrm>
+            <a:off x="12546522" y="4580895"/>
+            <a:ext cx="445520" cy="1751939"/>
+          </a:xfrm>
+          <a:prstGeom prst="bentConnector3">
+            <a:avLst/>
+          </a:prstGeom>
+          <a:ln w="38100">
+            <a:tailEnd type="triangle"/>
+          </a:ln>
+        </p:spPr>
+        <p:style>
+          <a:lnRef idx="1">
+            <a:schemeClr val="accent3"/>
+          </a:lnRef>
+          <a:fillRef idx="0">
+            <a:schemeClr val="accent3"/>
+          </a:fillRef>
+          <a:effectRef idx="0">
+            <a:schemeClr val="accent3"/>
+          </a:effectRef>
+          <a:fontRef idx="minor">
+            <a:schemeClr val="tx1"/>
+          </a:fontRef>
+        </p:style>
+      </p:cxnSp>
+      <p:cxnSp>
+        <p:nvCxnSpPr>
+          <p:cNvPr id="123" name="직선 화살표 연결선 122"/>
+          <p:cNvCxnSpPr/>
+          <p:nvPr/>
+        </p:nvCxnSpPr>
+        <p:spPr>
+          <a:xfrm>
+            <a:off x="15595542" y="2711973"/>
+            <a:ext cx="445520" cy="4235"/>
+          </a:xfrm>
+          <a:prstGeom prst="straightConnector1">
+            <a:avLst/>
+          </a:prstGeom>
+          <a:ln w="38100">
+            <a:tailEnd type="triangle"/>
+          </a:ln>
+        </p:spPr>
+        <p:style>
+          <a:lnRef idx="1">
+            <a:schemeClr val="accent3"/>
+          </a:lnRef>
+          <a:fillRef idx="0">
+            <a:schemeClr val="accent3"/>
+          </a:fillRef>
+          <a:effectRef idx="0">
+            <a:schemeClr val="accent3"/>
+          </a:effectRef>
+          <a:fontRef idx="minor">
+            <a:schemeClr val="tx1"/>
+          </a:fontRef>
+        </p:style>
+      </p:cxnSp>
+      <p:cxnSp>
+        <p:nvCxnSpPr>
+          <p:cNvPr id="124" name="직선 화살표 연결선 123"/>
+          <p:cNvCxnSpPr/>
+          <p:nvPr/>
+        </p:nvCxnSpPr>
+        <p:spPr>
+          <a:xfrm>
+            <a:off x="15595542" y="6434766"/>
+            <a:ext cx="445520" cy="4235"/>
+          </a:xfrm>
+          <a:prstGeom prst="straightConnector1">
+            <a:avLst/>
+          </a:prstGeom>
+          <a:ln w="38100">
+            <a:tailEnd type="triangle"/>
+          </a:ln>
+        </p:spPr>
+        <p:style>
+          <a:lnRef idx="1">
+            <a:schemeClr val="accent3"/>
+          </a:lnRef>
+          <a:fillRef idx="0">
+            <a:schemeClr val="accent3"/>
+          </a:fillRef>
+          <a:effectRef idx="0">
+            <a:schemeClr val="accent3"/>
+          </a:effectRef>
+          <a:fontRef idx="minor">
+            <a:schemeClr val="tx1"/>
+          </a:fontRef>
+        </p:style>
+      </p:cxnSp>
     </p:spTree>
     <p:extLst>
       <p:ext uri="{BB962C8B-B14F-4D97-AF65-F5344CB8AC3E}">
-        <p14:creationId xmlns:p14="http://schemas.microsoft.com/office/powerpoint/2010/main" val="1181624781"/>
+        <p14:creationId xmlns:p14="http://schemas.microsoft.com/office/powerpoint/2010/main" val="2990560554"/>
       </p:ext>
     </p:extLst>
   </p:cSld>
@@ -4668,9 +6565,9 @@
 </file>
 
 <file path=ppt/theme/theme1.xml><?xml version="1.0" encoding="utf-8"?>
-<a:theme xmlns:a="http://schemas.openxmlformats.org/drawingml/2006/main" name="Office 테마">
+<a:theme xmlns:a="http://schemas.openxmlformats.org/drawingml/2006/main" name="Office Theme">
   <a:themeElements>
-    <a:clrScheme name="Office">
+    <a:clrScheme name="Office 테마">
       <a:dk1>
         <a:sysClr val="windowText" lastClr="000000"/>
       </a:dk1>
@@ -4708,9 +6605,9 @@
         <a:srgbClr val="954F72"/>
       </a:folHlink>
     </a:clrScheme>
-    <a:fontScheme name="Office">
+    <a:fontScheme name="Office 테마">
       <a:majorFont>
-        <a:latin typeface="맑은 고딕" panose="020F0302020204030204"/>
+        <a:latin typeface="Calibri Light" panose="020F0302020204030204"/>
         <a:ea typeface=""/>
         <a:cs typeface=""/>
         <a:font script="Jpan" typeface="ＭＳ Ｐゴシック"/>
@@ -4745,7 +6642,7 @@
         <a:font script="Geor" typeface="Sylfaen"/>
       </a:majorFont>
       <a:minorFont>
-        <a:latin typeface="맑은 고딕" panose="020F0502020204030204"/>
+        <a:latin typeface="Calibri" panose="020F0502020204030204"/>
         <a:ea typeface=""/>
         <a:cs typeface=""/>
         <a:font script="Jpan" typeface="ＭＳ Ｐゴシック"/>
@@ -4780,7 +6677,7 @@
         <a:font script="Geor" typeface="Sylfaen"/>
       </a:minorFont>
     </a:fontScheme>
-    <a:fmtScheme name="Office">
+    <a:fmtScheme name="Office 테마">
       <a:fillStyleLst>
         <a:solidFill>
           <a:schemeClr val="phClr"/>
@@ -4922,7 +6819,7 @@
   <a:extraClrSchemeLst/>
   <a:extLst>
     <a:ext uri="{05A4C25C-085E-4340-85A3-A5531E510DB2}">
-      <thm15:themeFamily xmlns:thm15="http://schemas.microsoft.com/office/thememl/2012/main" name="Office Theme" id="{62F939B6-93AF-4DB8-9C6B-D6C7DFDC589F}" vid="{4A3C46E8-61CC-4603-A589-7422A47A8E4A}"/>
+      <thm15:themeFamily xmlns:thm15="http://schemas.microsoft.com/office/thememl/2012/main" name="Office Theme" id="{62F939B6-93AF-4DB8-9C6B-D6C7DFDC589F}" vid="{4F46216B-77A9-411A-B9D3-5023FCB70208}"/>
     </a:ext>
   </a:extLst>
 </a:theme>
